--- a/unit_01/slides/Unit01-PartIII.pptx
+++ b/unit_01/slides/Unit01-PartIII.pptx
@@ -229,7 +229,7 @@
           <a:p>
             <a:fld id="{DEF45A3F-F083-4E1A-8339-FCD652B27D36}" type="datetimeFigureOut">
               <a:rPr lang="en-US" smtClean="0"/>
-              <a:t>7/8/2020</a:t>
+              <a:t>9/2/2020</a:t>
             </a:fld>
             <a:endParaRPr lang="en-US" dirty="0"/>
           </a:p>
@@ -293,38 +293,37 @@
           <a:p>
             <a:pPr lvl="0"/>
             <a:r>
-              <a:rPr lang="en-US" smtClean="0"/>
+              <a:rPr lang="en-US"/>
               <a:t>Click to edit Master text styles</a:t>
             </a:r>
           </a:p>
           <a:p>
             <a:pPr lvl="1"/>
             <a:r>
-              <a:rPr lang="en-US" smtClean="0"/>
+              <a:rPr lang="en-US"/>
               <a:t>Second level</a:t>
             </a:r>
           </a:p>
           <a:p>
             <a:pPr lvl="2"/>
             <a:r>
-              <a:rPr lang="en-US" smtClean="0"/>
+              <a:rPr lang="en-US"/>
               <a:t>Third level</a:t>
             </a:r>
           </a:p>
           <a:p>
             <a:pPr lvl="3"/>
             <a:r>
-              <a:rPr lang="en-US" smtClean="0"/>
+              <a:rPr lang="en-US"/>
               <a:t>Fourth level</a:t>
             </a:r>
           </a:p>
           <a:p>
             <a:pPr lvl="4"/>
             <a:r>
-              <a:rPr lang="en-US" smtClean="0"/>
+              <a:rPr lang="en-US"/>
               <a:t>Fifth level</a:t>
             </a:r>
-            <a:endParaRPr lang="en-US"/>
           </a:p>
         </p:txBody>
       </p:sp>
@@ -603,7 +602,7 @@
           <p:cNvPr id="5" name="Rectangle 4">
             <a:extLst>
               <a:ext uri="{FF2B5EF4-FFF2-40B4-BE49-F238E27FC236}">
-                <a16:creationId xmlns:a16="http://schemas.microsoft.com/office/drawing/2014/main" xmlns="" id="{904DB13E-F722-4ED6-BB00-556651E95281}"/>
+                <a16:creationId xmlns:a16="http://schemas.microsoft.com/office/drawing/2014/main" id="{904DB13E-F722-4ED6-BB00-556651E95281}"/>
               </a:ext>
             </a:extLst>
           </p:cNvPr>
@@ -752,7 +751,7 @@
           <p:cNvPr id="7" name="Group 6">
             <a:extLst>
               <a:ext uri="{FF2B5EF4-FFF2-40B4-BE49-F238E27FC236}">
-                <a16:creationId xmlns:a16="http://schemas.microsoft.com/office/drawing/2014/main" xmlns="" id="{E26428D7-C6F3-473D-A360-A3F5C3E8728C}"/>
+                <a16:creationId xmlns:a16="http://schemas.microsoft.com/office/drawing/2014/main" id="{E26428D7-C6F3-473D-A360-A3F5C3E8728C}"/>
               </a:ext>
             </a:extLst>
           </p:cNvPr>
@@ -1050,7 +1049,7 @@
           <a:p>
             <a:fld id="{EB2553B6-A683-4C13-ADF3-6E78B5B860F6}" type="datetime1">
               <a:rPr lang="en-US" smtClean="0"/>
-              <a:t>7/8/2020</a:t>
+              <a:t>9/2/2020</a:t>
             </a:fld>
             <a:endParaRPr lang="en-US" dirty="0"/>
           </a:p>
@@ -1252,7 +1251,7 @@
           <a:p>
             <a:fld id="{6DA00B11-1D47-4652-AEE5-4C2B1235CB66}" type="datetime1">
               <a:rPr lang="en-US" smtClean="0"/>
-              <a:t>7/8/2020</a:t>
+              <a:t>9/2/2020</a:t>
             </a:fld>
             <a:endParaRPr lang="en-US" dirty="0"/>
           </a:p>
@@ -1335,7 +1334,7 @@
           <p:cNvPr id="15" name="Rectangle 14">
             <a:extLst>
               <a:ext uri="{FF2B5EF4-FFF2-40B4-BE49-F238E27FC236}">
-                <a16:creationId xmlns:a16="http://schemas.microsoft.com/office/drawing/2014/main" xmlns="" id="{0A4A1889-E37C-4EC3-9E41-9DAD221CF389}"/>
+                <a16:creationId xmlns:a16="http://schemas.microsoft.com/office/drawing/2014/main" id="{0A4A1889-E37C-4EC3-9E41-9DAD221CF389}"/>
               </a:ext>
             </a:extLst>
           </p:cNvPr>
@@ -1532,7 +1531,7 @@
           <p:cNvPr id="16" name="Group 15">
             <a:extLst>
               <a:ext uri="{FF2B5EF4-FFF2-40B4-BE49-F238E27FC236}">
-                <a16:creationId xmlns:a16="http://schemas.microsoft.com/office/drawing/2014/main" xmlns="" id="{1683EB04-C23E-490C-A1A6-030CF79D23C8}"/>
+                <a16:creationId xmlns:a16="http://schemas.microsoft.com/office/drawing/2014/main" id="{1683EB04-C23E-490C-A1A6-030CF79D23C8}"/>
               </a:ext>
             </a:extLst>
           </p:cNvPr>
@@ -1552,7 +1551,7 @@
             <p:cNvPr id="17" name="Straight Connector 16">
               <a:extLst>
                 <a:ext uri="{FF2B5EF4-FFF2-40B4-BE49-F238E27FC236}">
-                  <a16:creationId xmlns:a16="http://schemas.microsoft.com/office/drawing/2014/main" xmlns="" id="{F8A84C03-E1CA-4A4E-81D6-9BB0C335B7A0}"/>
+                  <a16:creationId xmlns:a16="http://schemas.microsoft.com/office/drawing/2014/main" id="{F8A84C03-E1CA-4A4E-81D6-9BB0C335B7A0}"/>
                 </a:ext>
               </a:extLst>
             </p:cNvPr>
@@ -1600,7 +1599,7 @@
             <p:cNvPr id="18" name="Straight Connector 17">
               <a:extLst>
                 <a:ext uri="{FF2B5EF4-FFF2-40B4-BE49-F238E27FC236}">
-                  <a16:creationId xmlns:a16="http://schemas.microsoft.com/office/drawing/2014/main" xmlns="" id="{4A26FB5A-D5D1-4DAB-AC43-7F51A7F2D197}"/>
+                  <a16:creationId xmlns:a16="http://schemas.microsoft.com/office/drawing/2014/main" id="{4A26FB5A-D5D1-4DAB-AC43-7F51A7F2D197}"/>
                 </a:ext>
               </a:extLst>
             </p:cNvPr>
@@ -1648,7 +1647,7 @@
             <p:cNvPr id="19" name="Straight Connector 18">
               <a:extLst>
                 <a:ext uri="{FF2B5EF4-FFF2-40B4-BE49-F238E27FC236}">
-                  <a16:creationId xmlns:a16="http://schemas.microsoft.com/office/drawing/2014/main" xmlns="" id="{49303F14-E560-4C02-94F4-B4695FE26813}"/>
+                  <a16:creationId xmlns:a16="http://schemas.microsoft.com/office/drawing/2014/main" id="{49303F14-E560-4C02-94F4-B4695FE26813}"/>
                 </a:ext>
               </a:extLst>
             </p:cNvPr>
@@ -1851,7 +1850,7 @@
           <a:p>
             <a:fld id="{90AC2323-8C5A-462B-92B9-62EA14FA9E94}" type="datetime1">
               <a:rPr lang="en-US" smtClean="0"/>
-              <a:t>7/8/2020</a:t>
+              <a:t>9/2/2020</a:t>
             </a:fld>
             <a:endParaRPr lang="en-US" dirty="0"/>
           </a:p>
@@ -2171,7 +2170,7 @@
           <a:p>
             <a:fld id="{10DC40C2-59E9-46C8-B03E-7C20E5F4F12D}" type="datetime1">
               <a:rPr lang="en-US" smtClean="0"/>
-              <a:t>7/8/2020</a:t>
+              <a:t>9/2/2020</a:t>
             </a:fld>
             <a:endParaRPr lang="en-US" dirty="0"/>
           </a:p>
@@ -2608,7 +2607,7 @@
           <a:p>
             <a:fld id="{7FBC8CB6-941B-4270-8276-FD8E92A373DA}" type="datetime1">
               <a:rPr lang="en-US" smtClean="0"/>
-              <a:t>7/8/2020</a:t>
+              <a:t>9/2/2020</a:t>
             </a:fld>
             <a:endParaRPr lang="en-US" dirty="0"/>
           </a:p>
@@ -2726,7 +2725,7 @@
           <a:p>
             <a:fld id="{15E57E43-E251-46CB-9ADD-5572689A0D73}" type="datetime1">
               <a:rPr lang="en-US" smtClean="0"/>
-              <a:t>7/8/2020</a:t>
+              <a:t>9/2/2020</a:t>
             </a:fld>
             <a:endParaRPr lang="en-US" dirty="0"/>
           </a:p>
@@ -2821,7 +2820,7 @@
           <a:p>
             <a:fld id="{9582FC12-F480-42AE-9F3F-3DA69EB64A0D}" type="datetime1">
               <a:rPr lang="en-US" smtClean="0"/>
-              <a:t>7/8/2020</a:t>
+              <a:t>9/2/2020</a:t>
             </a:fld>
             <a:endParaRPr lang="en-US" dirty="0"/>
           </a:p>
@@ -2904,7 +2903,7 @@
           <p:cNvPr id="10" name="Rectangle 9">
             <a:extLst>
               <a:ext uri="{FF2B5EF4-FFF2-40B4-BE49-F238E27FC236}">
-                <a16:creationId xmlns:a16="http://schemas.microsoft.com/office/drawing/2014/main" xmlns="" id="{D5E1BBF9-8BEF-4353-BA68-30AAF9EBD8D8}"/>
+                <a16:creationId xmlns:a16="http://schemas.microsoft.com/office/drawing/2014/main" id="{D5E1BBF9-8BEF-4353-BA68-30AAF9EBD8D8}"/>
               </a:ext>
             </a:extLst>
           </p:cNvPr>
@@ -2951,7 +2950,7 @@
           <p:cNvPr id="13" name="Rectangle 12">
             <a:extLst>
               <a:ext uri="{FF2B5EF4-FFF2-40B4-BE49-F238E27FC236}">
-                <a16:creationId xmlns:a16="http://schemas.microsoft.com/office/drawing/2014/main" xmlns="" id="{5B941C21-2A5D-4912-AB06-1BB0C0EB6AE1}"/>
+                <a16:creationId xmlns:a16="http://schemas.microsoft.com/office/drawing/2014/main" id="{5B941C21-2A5D-4912-AB06-1BB0C0EB6AE1}"/>
               </a:ext>
             </a:extLst>
           </p:cNvPr>
@@ -3238,7 +3237,7 @@
           <a:p>
             <a:fld id="{545CEF3F-6F6A-4297-B757-FFB5D4A3AD64}" type="datetime1">
               <a:rPr lang="en-US" smtClean="0"/>
-              <a:t>7/8/2020</a:t>
+              <a:t>9/2/2020</a:t>
             </a:fld>
             <a:endParaRPr lang="en-US" dirty="0"/>
           </a:p>
@@ -3346,7 +3345,7 @@
           <p:cNvPr id="11" name="Rectangle 10">
             <a:extLst>
               <a:ext uri="{FF2B5EF4-FFF2-40B4-BE49-F238E27FC236}">
-                <a16:creationId xmlns:a16="http://schemas.microsoft.com/office/drawing/2014/main" xmlns="" id="{E687CA98-D9C7-497F-A1DA-7D22F8753BCE}"/>
+                <a16:creationId xmlns:a16="http://schemas.microsoft.com/office/drawing/2014/main" id="{E687CA98-D9C7-497F-A1DA-7D22F8753BCE}"/>
               </a:ext>
             </a:extLst>
           </p:cNvPr>
@@ -3498,7 +3497,7 @@
           <a:p>
             <a:fld id="{EE2F6E23-5248-4ECD-8C29-1FB95B395C86}" type="datetime1">
               <a:rPr lang="en-US" smtClean="0"/>
-              <a:t>7/8/2020</a:t>
+              <a:t>9/2/2020</a:t>
             </a:fld>
             <a:endParaRPr lang="en-US" dirty="0"/>
           </a:p>
@@ -3580,7 +3579,7 @@
           <p:cNvPr id="12" name="Rectangle 11">
             <a:extLst>
               <a:ext uri="{FF2B5EF4-FFF2-40B4-BE49-F238E27FC236}">
-                <a16:creationId xmlns:a16="http://schemas.microsoft.com/office/drawing/2014/main" xmlns="" id="{F8B3D8CC-BB13-41A5-8F34-B8E84A4F9534}"/>
+                <a16:creationId xmlns:a16="http://schemas.microsoft.com/office/drawing/2014/main" id="{F8B3D8CC-BB13-41A5-8F34-B8E84A4F9534}"/>
               </a:ext>
             </a:extLst>
           </p:cNvPr>
@@ -3782,7 +3781,7 @@
           <p:cNvPr id="9" name="Rectangle 8">
             <a:extLst>
               <a:ext uri="{FF2B5EF4-FFF2-40B4-BE49-F238E27FC236}">
-                <a16:creationId xmlns:a16="http://schemas.microsoft.com/office/drawing/2014/main" xmlns="" id="{1E94681D-2A4C-4A8D-B9B5-31D440D0328D}"/>
+                <a16:creationId xmlns:a16="http://schemas.microsoft.com/office/drawing/2014/main" id="{1E94681D-2A4C-4A8D-B9B5-31D440D0328D}"/>
               </a:ext>
             </a:extLst>
           </p:cNvPr>
@@ -4014,7 +4013,7 @@
           <a:p>
             <a:fld id="{5DE9F2A3-885D-46CC-9642-01CAAE4EB600}" type="datetime1">
               <a:rPr lang="en-US" smtClean="0"/>
-              <a:t>7/8/2020</a:t>
+              <a:t>9/2/2020</a:t>
             </a:fld>
             <a:endParaRPr lang="en-US" dirty="0"/>
           </a:p>
@@ -4494,7 +4493,7 @@
           <p:cNvPr id="6" name="Picture 5" descr="abstract image">
             <a:extLst>
               <a:ext uri="{FF2B5EF4-FFF2-40B4-BE49-F238E27FC236}">
-                <a16:creationId xmlns:a16="http://schemas.microsoft.com/office/drawing/2014/main" xmlns="" id="{8045422F-7258-40AC-BD2E-2469AA448922}"/>
+                <a16:creationId xmlns:a16="http://schemas.microsoft.com/office/drawing/2014/main" id="{8045422F-7258-40AC-BD2E-2469AA448922}"/>
               </a:ext>
             </a:extLst>
           </p:cNvPr>
@@ -4529,10 +4528,10 @@
           <p:cNvPr id="82" name="Rectangle 81">
             <a:extLst>
               <a:ext uri="{FF2B5EF4-FFF2-40B4-BE49-F238E27FC236}">
-                <a16:creationId xmlns:a16="http://schemas.microsoft.com/office/drawing/2014/main" xmlns="" id="{2644B391-9BFE-445C-A9EC-F544BB85FBC7}"/>
+                <a16:creationId xmlns:a16="http://schemas.microsoft.com/office/drawing/2014/main" id="{2644B391-9BFE-445C-A9EC-F544BB85FBC7}"/>
               </a:ext>
               <a:ext uri="{C183D7F6-B498-43B3-948B-1728B52AA6E4}">
-                <adec:decorative xmlns:adec="http://schemas.microsoft.com/office/drawing/2017/decorative" xmlns="" val="1"/>
+                <adec:decorative xmlns:adec="http://schemas.microsoft.com/office/drawing/2017/decorative" val="1"/>
               </a:ext>
             </a:extLst>
           </p:cNvPr>
@@ -4542,7 +4541,7 @@
           <p:nvPr>
             <p:extLst>
               <p:ext uri="{386F3935-93C4-4BCD-93E2-E3B085C9AB24}">
-                <p16:designElem xmlns:p16="http://schemas.microsoft.com/office/powerpoint/2015/main" xmlns="" val="1"/>
+                <p16:designElem xmlns:p16="http://schemas.microsoft.com/office/powerpoint/2015/main" val="1"/>
               </p:ext>
             </p:extLst>
           </p:nvPr>
@@ -4574,10 +4573,10 @@
           <p:cNvPr id="84" name="Rectangle 83">
             <a:extLst>
               <a:ext uri="{FF2B5EF4-FFF2-40B4-BE49-F238E27FC236}">
-                <a16:creationId xmlns:a16="http://schemas.microsoft.com/office/drawing/2014/main" xmlns="" id="{80F26E69-87D9-4655-AE7B-280A87AA3CAD}"/>
+                <a16:creationId xmlns:a16="http://schemas.microsoft.com/office/drawing/2014/main" id="{80F26E69-87D9-4655-AE7B-280A87AA3CAD}"/>
               </a:ext>
               <a:ext uri="{C183D7F6-B498-43B3-948B-1728B52AA6E4}">
-                <adec:decorative xmlns:adec="http://schemas.microsoft.com/office/drawing/2017/decorative" xmlns="" val="1"/>
+                <adec:decorative xmlns:adec="http://schemas.microsoft.com/office/drawing/2017/decorative" val="1"/>
               </a:ext>
             </a:extLst>
           </p:cNvPr>
@@ -4587,7 +4586,7 @@
           <p:nvPr>
             <p:extLst>
               <p:ext uri="{386F3935-93C4-4BCD-93E2-E3B085C9AB24}">
-                <p16:designElem xmlns:p16="http://schemas.microsoft.com/office/powerpoint/2015/main" xmlns="" val="1"/>
+                <p16:designElem xmlns:p16="http://schemas.microsoft.com/office/powerpoint/2015/main" val="1"/>
               </p:ext>
             </p:extLst>
           </p:nvPr>
@@ -4618,7 +4617,7 @@
           <p:cNvPr id="2" name="Title 1">
             <a:extLst>
               <a:ext uri="{FF2B5EF4-FFF2-40B4-BE49-F238E27FC236}">
-                <a16:creationId xmlns:a16="http://schemas.microsoft.com/office/drawing/2014/main" xmlns="" id="{18C3B467-088C-4F3D-A9A7-105C4E1E20CD}"/>
+                <a16:creationId xmlns:a16="http://schemas.microsoft.com/office/drawing/2014/main" id="{18C3B467-088C-4F3D-A9A7-105C4E1E20CD}"/>
               </a:ext>
             </a:extLst>
           </p:cNvPr>
@@ -4642,18 +4641,21 @@
           <a:lstStyle/>
           <a:p>
             <a:r>
-              <a:rPr lang="en-US" sz="4400" b="1" dirty="0" smtClean="0">
+              <a:rPr lang="en-US" sz="4400">
                 <a:solidFill>
                   <a:schemeClr val="tx1"/>
                 </a:solidFill>
               </a:rPr>
-              <a:t>Unit01 Intro to node.js Part III</a:t>
-            </a:r>
-            <a:endParaRPr lang="en-US" sz="4400" b="1" dirty="0">
-              <a:solidFill>
-                <a:schemeClr val="tx1"/>
-              </a:solidFill>
-            </a:endParaRPr>
+              <a:t>node</a:t>
+            </a:r>
+            <a:r>
+              <a:rPr lang="en-US" sz="4400" dirty="0">
+                <a:solidFill>
+                  <a:schemeClr val="tx1"/>
+                </a:solidFill>
+              </a:rPr>
+              <a:t>.js Part III</a:t>
+            </a:r>
           </a:p>
         </p:txBody>
       </p:sp>
@@ -4662,7 +4664,7 @@
           <p:cNvPr id="3" name="Subtitle 2">
             <a:extLst>
               <a:ext uri="{FF2B5EF4-FFF2-40B4-BE49-F238E27FC236}">
-                <a16:creationId xmlns:a16="http://schemas.microsoft.com/office/drawing/2014/main" xmlns="" id="{C8722DDC-8EEE-4A06-8DFE-B44871EAA2CF}"/>
+                <a16:creationId xmlns:a16="http://schemas.microsoft.com/office/drawing/2014/main" id="{C8722DDC-8EEE-4A06-8DFE-B44871EAA2CF}"/>
               </a:ext>
             </a:extLst>
           </p:cNvPr>
@@ -4711,13 +4713,6 @@
   <p:clrMapOvr>
     <a:overrideClrMapping bg1="dk1" tx1="lt1" bg2="dk2" tx2="lt2" accent1="accent1" accent2="accent2" accent3="accent3" accent4="accent4" accent5="accent5" accent6="accent6" hlink="hlink" folHlink="folHlink"/>
   </p:clrMapOvr>
-  <p:timing>
-    <p:tnLst>
-      <p:par>
-        <p:cTn id="1" dur="indefinite" restart="never" nodeType="tmRoot"/>
-      </p:par>
-    </p:tnLst>
-  </p:timing>
 </p:sld>
 </file>
 
@@ -4743,7 +4738,7 @@
           <p:cNvPr id="2" name="Title 1">
             <a:extLst>
               <a:ext uri="{FF2B5EF4-FFF2-40B4-BE49-F238E27FC236}">
-                <a16:creationId xmlns:a16="http://schemas.microsoft.com/office/drawing/2014/main" xmlns="" id="{BDFAC13C-59B1-436E-B58F-C304E1C705CF}"/>
+                <a16:creationId xmlns:a16="http://schemas.microsoft.com/office/drawing/2014/main" id="{BDFAC13C-59B1-436E-B58F-C304E1C705CF}"/>
               </a:ext>
             </a:extLst>
           </p:cNvPr>
@@ -4770,24 +4765,12 @@
               <a:rPr lang="en-US" u="sng" dirty="0"/>
               <a:t>Our First express.js application</a:t>
             </a:r>
-            <a:r>
-              <a:rPr lang="en-US" u="sng" dirty="0" smtClean="0"/>
-              <a:t/>
-            </a:r>
             <a:br>
-              <a:rPr lang="en-US" u="sng" dirty="0" smtClean="0"/>
+              <a:rPr lang="en-US" u="sng" dirty="0"/>
             </a:br>
             <a:r>
-              <a:rPr lang="en-US" sz="2400" dirty="0" smtClean="0"/>
-              <a:t>(each </a:t>
-            </a:r>
-            <a:r>
               <a:rPr lang="en-US" sz="2400" dirty="0"/>
-              <a:t>statement</a:t>
-            </a:r>
-            <a:r>
-              <a:rPr lang="en-US" sz="2400" dirty="0" smtClean="0"/>
-              <a:t> explained)</a:t>
+              <a:t>(each statement explained)</a:t>
             </a:r>
             <a:endParaRPr lang="en-US" u="sng" dirty="0"/>
           </a:p>
@@ -4798,7 +4781,7 @@
           <p:cNvPr id="3" name="Content Placeholder 2">
             <a:extLst>
               <a:ext uri="{FF2B5EF4-FFF2-40B4-BE49-F238E27FC236}">
-                <a16:creationId xmlns:a16="http://schemas.microsoft.com/office/drawing/2014/main" xmlns="" id="{844A3DC5-46BF-4BFF-8008-98FD467C4904}"/>
+                <a16:creationId xmlns:a16="http://schemas.microsoft.com/office/drawing/2014/main" id="{844A3DC5-46BF-4BFF-8008-98FD467C4904}"/>
               </a:ext>
             </a:extLst>
           </p:cNvPr>
@@ -4828,24 +4811,14 @@
               <a:rPr lang="en-US" sz="1800" dirty="0">
                 <a:latin typeface="Consolas" panose="020B0609020204030204" pitchFamily="49" charset="0"/>
               </a:rPr>
-              <a:t>const </a:t>
-            </a:r>
-            <a:r>
-              <a:rPr lang="en-US" sz="1800" dirty="0" smtClean="0">
-                <a:latin typeface="Consolas" panose="020B0609020204030204" pitchFamily="49" charset="0"/>
-              </a:rPr>
-              <a:t>app = express();</a:t>
-            </a:r>
-            <a:endParaRPr lang="en-US" sz="1800" dirty="0">
-              <a:latin typeface="Consolas" panose="020B0609020204030204" pitchFamily="49" charset="0"/>
-            </a:endParaRPr>
-          </a:p>
-          <a:p>
-            <a:r>
-              <a:rPr lang="en-US" sz="1800" dirty="0" smtClean="0"/>
+              <a:t>const app = express();</a:t>
+            </a:r>
+          </a:p>
+          <a:p>
+            <a:r>
+              <a:rPr lang="en-US" sz="1800" dirty="0"/>
               <a:t>It is a standard convention to instantiate the express class and call the object app</a:t>
             </a:r>
-            <a:endParaRPr lang="en-US" sz="1800" dirty="0"/>
           </a:p>
         </p:txBody>
       </p:sp>
@@ -4882,13 +4855,6 @@
   <p:clrMapOvr>
     <a:masterClrMapping/>
   </p:clrMapOvr>
-  <p:timing>
-    <p:tnLst>
-      <p:par>
-        <p:cTn id="1" dur="indefinite" restart="never" nodeType="tmRoot"/>
-      </p:par>
-    </p:tnLst>
-  </p:timing>
 </p:sld>
 </file>
 
@@ -4914,7 +4880,7 @@
           <p:cNvPr id="2" name="Title 1">
             <a:extLst>
               <a:ext uri="{FF2B5EF4-FFF2-40B4-BE49-F238E27FC236}">
-                <a16:creationId xmlns:a16="http://schemas.microsoft.com/office/drawing/2014/main" xmlns="" id="{BDFAC13C-59B1-436E-B58F-C304E1C705CF}"/>
+                <a16:creationId xmlns:a16="http://schemas.microsoft.com/office/drawing/2014/main" id="{BDFAC13C-59B1-436E-B58F-C304E1C705CF}"/>
               </a:ext>
             </a:extLst>
           </p:cNvPr>
@@ -4941,24 +4907,12 @@
               <a:rPr lang="en-US" u="sng" dirty="0"/>
               <a:t>Our First express.js application</a:t>
             </a:r>
-            <a:r>
-              <a:rPr lang="en-US" u="sng" dirty="0" smtClean="0"/>
-              <a:t/>
-            </a:r>
             <a:br>
-              <a:rPr lang="en-US" u="sng" dirty="0" smtClean="0"/>
+              <a:rPr lang="en-US" u="sng" dirty="0"/>
             </a:br>
             <a:r>
-              <a:rPr lang="en-US" sz="2400" dirty="0" smtClean="0"/>
-              <a:t>(each </a:t>
-            </a:r>
-            <a:r>
               <a:rPr lang="en-US" sz="2400" dirty="0"/>
-              <a:t>statement</a:t>
-            </a:r>
-            <a:r>
-              <a:rPr lang="en-US" sz="2400" dirty="0" smtClean="0"/>
-              <a:t> explained)</a:t>
+              <a:t>(each statement explained)</a:t>
             </a:r>
             <a:endParaRPr lang="en-US" u="sng" dirty="0"/>
           </a:p>
@@ -4969,7 +4923,7 @@
           <p:cNvPr id="3" name="Content Placeholder 2">
             <a:extLst>
               <a:ext uri="{FF2B5EF4-FFF2-40B4-BE49-F238E27FC236}">
-                <a16:creationId xmlns:a16="http://schemas.microsoft.com/office/drawing/2014/main" xmlns="" id="{844A3DC5-46BF-4BFF-8008-98FD467C4904}"/>
+                <a16:creationId xmlns:a16="http://schemas.microsoft.com/office/drawing/2014/main" id="{844A3DC5-46BF-4BFF-8008-98FD467C4904}"/>
               </a:ext>
             </a:extLst>
           </p:cNvPr>
@@ -4999,52 +4953,19 @@
               <a:rPr lang="en-US" sz="1800" dirty="0">
                 <a:latin typeface="Consolas" panose="020B0609020204030204" pitchFamily="49" charset="0"/>
               </a:rPr>
-              <a:t>app.get</a:t>
-            </a:r>
-            <a:r>
-              <a:rPr lang="en-US" sz="1800" dirty="0" smtClean="0">
-                <a:latin typeface="Consolas" panose="020B0609020204030204" pitchFamily="49" charset="0"/>
-              </a:rPr>
-              <a:t>("/",</a:t>
-            </a:r>
+              <a:t>app.get("/", (req, res) =&gt; {</a:t>
+            </a:r>
+          </a:p>
+          <a:p>
+            <a:pPr marL="114300" indent="0">
+              <a:buNone/>
+            </a:pPr>
             <a:r>
               <a:rPr lang="en-US" sz="1800" dirty="0">
                 <a:latin typeface="Consolas" panose="020B0609020204030204" pitchFamily="49" charset="0"/>
               </a:rPr>
-              <a:t> (req, res) =&gt; {</a:t>
-            </a:r>
-          </a:p>
-          <a:p>
-            <a:pPr marL="114300" indent="0">
-              <a:buNone/>
-            </a:pPr>
-            <a:r>
-              <a:rPr lang="en-US" sz="1800" dirty="0">
-                <a:latin typeface="Consolas" panose="020B0609020204030204" pitchFamily="49" charset="0"/>
-              </a:rPr>
-              <a:t>res.send</a:t>
-            </a:r>
-            <a:r>
-              <a:rPr lang="en-US" sz="1800" dirty="0" smtClean="0">
-                <a:latin typeface="Consolas" panose="020B0609020204030204" pitchFamily="49" charset="0"/>
-              </a:rPr>
-              <a:t>("Hello </a:t>
-            </a:r>
-            <a:r>
-              <a:rPr lang="en-US" sz="1800" dirty="0">
-                <a:latin typeface="Consolas" panose="020B0609020204030204" pitchFamily="49" charset="0"/>
-              </a:rPr>
-              <a:t>from node.js and express</a:t>
-            </a:r>
-            <a:r>
-              <a:rPr lang="en-US" sz="1800" dirty="0" smtClean="0">
-                <a:latin typeface="Consolas" panose="020B0609020204030204" pitchFamily="49" charset="0"/>
-              </a:rPr>
-              <a:t>!");</a:t>
-            </a:r>
-            <a:endParaRPr lang="en-US" sz="1800" dirty="0">
-              <a:latin typeface="Consolas" panose="020B0609020204030204" pitchFamily="49" charset="0"/>
-            </a:endParaRPr>
+              <a:t>res.send("Hello from node.js and express!");</a:t>
+            </a:r>
           </a:p>
           <a:p>
             <a:pPr marL="0" indent="0">
@@ -5059,30 +4980,29 @@
           </a:p>
           <a:p>
             <a:r>
-              <a:rPr lang="en-US" sz="1800" dirty="0" smtClean="0"/>
+              <a:rPr lang="en-US" sz="1800" dirty="0"/>
               <a:t>When the user goes to localhost:3000 (</a:t>
             </a:r>
             <a:r>
-              <a:rPr lang="en-US" sz="1800" dirty="0" smtClean="0">
+              <a:rPr lang="en-US" sz="1800" dirty="0">
                 <a:latin typeface="Consolas" panose="020B0609020204030204" pitchFamily="49" charset="0"/>
               </a:rPr>
               <a:t>"</a:t>
             </a:r>
             <a:r>
-              <a:rPr lang="en-US" sz="1800" dirty="0" smtClean="0"/>
+              <a:rPr lang="en-US" sz="1800" dirty="0"/>
               <a:t>/</a:t>
             </a:r>
             <a:r>
-              <a:rPr lang="en-US" sz="1800" dirty="0" smtClean="0">
+              <a:rPr lang="en-US" sz="1800" dirty="0">
                 <a:latin typeface="Consolas" panose="020B0609020204030204" pitchFamily="49" charset="0"/>
               </a:rPr>
               <a:t>"</a:t>
             </a:r>
             <a:r>
-              <a:rPr lang="en-US" sz="1800" dirty="0" smtClean="0"/>
+              <a:rPr lang="en-US" sz="1800" dirty="0"/>
               <a:t>), show the message Hello from node.js and express on screen</a:t>
             </a:r>
-            <a:endParaRPr lang="en-US" sz="1800" dirty="0"/>
           </a:p>
         </p:txBody>
       </p:sp>
@@ -5119,13 +5039,6 @@
   <p:clrMapOvr>
     <a:masterClrMapping/>
   </p:clrMapOvr>
-  <p:timing>
-    <p:tnLst>
-      <p:par>
-        <p:cTn id="1" dur="indefinite" restart="never" nodeType="tmRoot"/>
-      </p:par>
-    </p:tnLst>
-  </p:timing>
 </p:sld>
 </file>
 
@@ -5151,7 +5064,7 @@
           <p:cNvPr id="2" name="Title 1">
             <a:extLst>
               <a:ext uri="{FF2B5EF4-FFF2-40B4-BE49-F238E27FC236}">
-                <a16:creationId xmlns:a16="http://schemas.microsoft.com/office/drawing/2014/main" xmlns="" id="{BDFAC13C-59B1-436E-B58F-C304E1C705CF}"/>
+                <a16:creationId xmlns:a16="http://schemas.microsoft.com/office/drawing/2014/main" id="{BDFAC13C-59B1-436E-B58F-C304E1C705CF}"/>
               </a:ext>
             </a:extLst>
           </p:cNvPr>
@@ -5178,24 +5091,12 @@
               <a:rPr lang="en-US" u="sng" dirty="0"/>
               <a:t>Our First express.js application</a:t>
             </a:r>
-            <a:r>
-              <a:rPr lang="en-US" u="sng" dirty="0" smtClean="0"/>
-              <a:t/>
-            </a:r>
             <a:br>
-              <a:rPr lang="en-US" u="sng" dirty="0" smtClean="0"/>
+              <a:rPr lang="en-US" u="sng" dirty="0"/>
             </a:br>
             <a:r>
-              <a:rPr lang="en-US" sz="2400" dirty="0" smtClean="0"/>
-              <a:t>(each </a:t>
-            </a:r>
-            <a:r>
               <a:rPr lang="en-US" sz="2400" dirty="0"/>
-              <a:t>statement</a:t>
-            </a:r>
-            <a:r>
-              <a:rPr lang="en-US" sz="2400" dirty="0" smtClean="0"/>
-              <a:t> explained)</a:t>
+              <a:t>(each statement explained)</a:t>
             </a:r>
             <a:endParaRPr lang="en-US" u="sng" dirty="0"/>
           </a:p>
@@ -5206,7 +5107,7 @@
           <p:cNvPr id="3" name="Content Placeholder 2">
             <a:extLst>
               <a:ext uri="{FF2B5EF4-FFF2-40B4-BE49-F238E27FC236}">
-                <a16:creationId xmlns:a16="http://schemas.microsoft.com/office/drawing/2014/main" xmlns="" id="{844A3DC5-46BF-4BFF-8008-98FD467C4904}"/>
+                <a16:creationId xmlns:a16="http://schemas.microsoft.com/office/drawing/2014/main" id="{844A3DC5-46BF-4BFF-8008-98FD467C4904}"/>
               </a:ext>
             </a:extLst>
           </p:cNvPr>
@@ -5233,7 +5134,7 @@
               <a:buNone/>
             </a:pPr>
             <a:r>
-              <a:rPr lang="en-US" sz="1800" dirty="0" smtClean="0">
+              <a:rPr lang="en-US" sz="1800" dirty="0">
                 <a:latin typeface="Consolas" panose="020B0609020204030204" pitchFamily="49" charset="0"/>
               </a:rPr>
               <a:t>}).listen(port, () =&gt; {</a:t>
@@ -5244,21 +5145,17 @@
               <a:buNone/>
             </a:pPr>
             <a:r>
-              <a:rPr lang="en-US" sz="1800" dirty="0" smtClean="0">
+              <a:rPr lang="en-US" sz="1800" dirty="0">
                 <a:latin typeface="Consolas" panose="020B0609020204030204" pitchFamily="49" charset="0"/>
               </a:rPr>
               <a:t>console.log(`The server is listening on ${port}`);</a:t>
             </a:r>
-            <a:endParaRPr lang="en-US" sz="1800" dirty="0">
-              <a:latin typeface="Consolas" panose="020B0609020204030204" pitchFamily="49" charset="0"/>
-            </a:endParaRPr>
-          </a:p>
-          <a:p>
-            <a:r>
-              <a:rPr lang="en-US" sz="1800" dirty="0" smtClean="0"/>
+          </a:p>
+          <a:p>
+            <a:r>
+              <a:rPr lang="en-US" sz="1800" dirty="0"/>
               <a:t>Listen on port 3000 and send a corresponding message back to the terminal</a:t>
             </a:r>
-            <a:endParaRPr lang="en-US" sz="1800" dirty="0"/>
           </a:p>
         </p:txBody>
       </p:sp>
@@ -5295,13 +5192,6 @@
   <p:clrMapOvr>
     <a:masterClrMapping/>
   </p:clrMapOvr>
-  <p:timing>
-    <p:tnLst>
-      <p:par>
-        <p:cTn id="1" dur="indefinite" restart="never" nodeType="tmRoot"/>
-      </p:par>
-    </p:tnLst>
-  </p:timing>
 </p:sld>
 </file>
 
@@ -5327,7 +5217,7 @@
           <p:cNvPr id="2" name="Title 1">
             <a:extLst>
               <a:ext uri="{FF2B5EF4-FFF2-40B4-BE49-F238E27FC236}">
-                <a16:creationId xmlns:a16="http://schemas.microsoft.com/office/drawing/2014/main" xmlns="" id="{BDFAC13C-59B1-436E-B58F-C304E1C705CF}"/>
+                <a16:creationId xmlns:a16="http://schemas.microsoft.com/office/drawing/2014/main" id="{BDFAC13C-59B1-436E-B58F-C304E1C705CF}"/>
               </a:ext>
             </a:extLst>
           </p:cNvPr>
@@ -5351,10 +5241,9 @@
           <a:lstStyle/>
           <a:p>
             <a:r>
-              <a:rPr lang="en-US" u="sng" dirty="0" smtClean="0"/>
+              <a:rPr lang="en-US" u="sng" dirty="0"/>
               <a:t>Serving Static Files with express.js</a:t>
             </a:r>
-            <a:endParaRPr lang="en-US" u="sng" dirty="0"/>
           </a:p>
         </p:txBody>
       </p:sp>
@@ -5363,7 +5252,7 @@
           <p:cNvPr id="3" name="Content Placeholder 2">
             <a:extLst>
               <a:ext uri="{FF2B5EF4-FFF2-40B4-BE49-F238E27FC236}">
-                <a16:creationId xmlns:a16="http://schemas.microsoft.com/office/drawing/2014/main" xmlns="" id="{844A3DC5-46BF-4BFF-8008-98FD467C4904}"/>
+                <a16:creationId xmlns:a16="http://schemas.microsoft.com/office/drawing/2014/main" id="{844A3DC5-46BF-4BFF-8008-98FD467C4904}"/>
               </a:ext>
             </a:extLst>
           </p:cNvPr>
@@ -5388,47 +5277,24 @@
           <a:p>
             <a:r>
               <a:rPr lang="en-US" sz="1800" dirty="0"/>
-              <a:t>Express provides a built-in middleware </a:t>
-            </a:r>
-            <a:r>
-              <a:rPr lang="en-US" sz="1800" dirty="0" smtClean="0"/>
-              <a:t>(express.static) </a:t>
-            </a:r>
+              <a:t>Express provides a built-in middleware (express.static) to serve static files, such as images, CSS, and client-side JavaScript</a:t>
+            </a:r>
+          </a:p>
+          <a:p>
             <a:r>
               <a:rPr lang="en-US" sz="1800" dirty="0"/>
-              <a:t>to serve static files, such as images, CSS, </a:t>
-            </a:r>
-            <a:r>
-              <a:rPr lang="en-US" sz="1800" dirty="0" smtClean="0"/>
-              <a:t>and client-side JavaScript</a:t>
-            </a:r>
-          </a:p>
-          <a:p>
-            <a:r>
-              <a:rPr lang="en-US" sz="1800" dirty="0" smtClean="0"/>
-              <a:t>You </a:t>
-            </a:r>
-            <a:r>
-              <a:rPr lang="en-US" sz="1800" dirty="0"/>
-              <a:t>simply need to pass the name of the directory where you keep your static assets, to the express.static middleware to start serving the files directly. For example, if you keep your images, CSS, and JavaScript files in a directory named public, you can do this − </a:t>
-            </a:r>
-            <a:endParaRPr lang="en-US" sz="1800" dirty="0" smtClean="0"/>
+              <a:t>You simply need to pass the name of the directory where you keep your static assets, to the express.static middleware to start serving the files directly. For example, if you keep your images, CSS, and JavaScript files in a directory named public, you can do this − </a:t>
+            </a:r>
           </a:p>
           <a:p>
             <a:pPr marL="174625" indent="0">
               <a:buNone/>
             </a:pPr>
-            <a:r>
-              <a:rPr lang="en-US" sz="1800" dirty="0" smtClean="0">
-                <a:latin typeface="Consolas" panose="020B0609020204030204" pitchFamily="49" charset="0"/>
-              </a:rPr>
-              <a:t>app.use(express.static</a:t>
-            </a:r>
             <a:r>
               <a:rPr lang="en-US" sz="1800" dirty="0">
                 <a:latin typeface="Consolas" panose="020B0609020204030204" pitchFamily="49" charset="0"/>
               </a:rPr>
-              <a:t>('public'));</a:t>
+              <a:t>app.use(express.static('public'));</a:t>
             </a:r>
           </a:p>
         </p:txBody>
@@ -5438,7 +5304,7 @@
           <p:cNvPr id="4" name="Rectangle 3">
             <a:extLst>
               <a:ext uri="{FF2B5EF4-FFF2-40B4-BE49-F238E27FC236}">
-                <a16:creationId xmlns:a16="http://schemas.microsoft.com/office/drawing/2014/main" xmlns="" id="{0C71533A-4A29-47E2-A4D4-85E44356516A}"/>
+                <a16:creationId xmlns:a16="http://schemas.microsoft.com/office/drawing/2014/main" id="{0C71533A-4A29-47E2-A4D4-85E44356516A}"/>
               </a:ext>
             </a:extLst>
           </p:cNvPr>
@@ -5461,7 +5327,7 @@
           <a:lstStyle/>
           <a:p>
             <a:r>
-              <a:rPr lang="en-US" sz="1600" b="1" dirty="0" smtClean="0"/>
+              <a:rPr lang="en-US" sz="1600" b="1" dirty="0"/>
               <a:t>Source</a:t>
             </a:r>
           </a:p>
@@ -5513,13 +5379,6 @@
   <p:clrMapOvr>
     <a:masterClrMapping/>
   </p:clrMapOvr>
-  <p:timing>
-    <p:tnLst>
-      <p:par>
-        <p:cTn id="1" dur="indefinite" restart="never" nodeType="tmRoot"/>
-      </p:par>
-    </p:tnLst>
-  </p:timing>
 </p:sld>
 </file>
 
@@ -5545,7 +5404,7 @@
           <p:cNvPr id="2" name="Title 1">
             <a:extLst>
               <a:ext uri="{FF2B5EF4-FFF2-40B4-BE49-F238E27FC236}">
-                <a16:creationId xmlns:a16="http://schemas.microsoft.com/office/drawing/2014/main" xmlns="" id="{BDFAC13C-59B1-436E-B58F-C304E1C705CF}"/>
+                <a16:creationId xmlns:a16="http://schemas.microsoft.com/office/drawing/2014/main" id="{BDFAC13C-59B1-436E-B58F-C304E1C705CF}"/>
               </a:ext>
             </a:extLst>
           </p:cNvPr>
@@ -5569,10 +5428,9 @@
           <a:lstStyle/>
           <a:p>
             <a:r>
-              <a:rPr lang="en-US" u="sng" dirty="0" smtClean="0"/>
+              <a:rPr lang="en-US" u="sng" dirty="0"/>
               <a:t>Serving Static Files with express.js</a:t>
             </a:r>
-            <a:endParaRPr lang="en-US" u="sng" dirty="0"/>
           </a:p>
         </p:txBody>
       </p:sp>
@@ -5581,7 +5439,7 @@
           <p:cNvPr id="3" name="Content Placeholder 2">
             <a:extLst>
               <a:ext uri="{FF2B5EF4-FFF2-40B4-BE49-F238E27FC236}">
-                <a16:creationId xmlns:a16="http://schemas.microsoft.com/office/drawing/2014/main" xmlns="" id="{844A3DC5-46BF-4BFF-8008-98FD467C4904}"/>
+                <a16:creationId xmlns:a16="http://schemas.microsoft.com/office/drawing/2014/main" id="{844A3DC5-46BF-4BFF-8008-98FD467C4904}"/>
               </a:ext>
             </a:extLst>
           </p:cNvPr>
@@ -5605,33 +5463,21 @@
           <a:lstStyle/>
           <a:p>
             <a:r>
-              <a:rPr lang="en-US" sz="1800" dirty="0" smtClean="0"/>
-              <a:t>Create </a:t>
-            </a:r>
-            <a:r>
               <a:rPr lang="en-US" sz="1800" dirty="0"/>
-              <a:t>a new </a:t>
-            </a:r>
-            <a:r>
-              <a:rPr lang="en-US" sz="1800" dirty="0" smtClean="0"/>
-              <a:t>directory (folder) called</a:t>
+              <a:t>Create a new directory (folder) called </a:t>
+            </a:r>
+            <a:r>
+              <a:rPr lang="en-US" sz="1800" b="1" dirty="0"/>
+              <a:t>public</a:t>
             </a:r>
             <a:r>
               <a:rPr lang="en-US" sz="1800" dirty="0"/>
-              <a:t> </a:t>
-            </a:r>
-            <a:r>
-              <a:rPr lang="en-US" sz="1800" b="1" dirty="0" smtClean="0"/>
-              <a:t>public</a:t>
-            </a:r>
-            <a:r>
-              <a:rPr lang="en-US" sz="1800" dirty="0" smtClean="0"/>
               <a:t>  Under the public folder create another directory (folder) called images</a:t>
             </a:r>
           </a:p>
           <a:p>
             <a:r>
-              <a:rPr lang="en-US" sz="1800" dirty="0" smtClean="0"/>
+              <a:rPr lang="en-US" sz="1800" dirty="0"/>
               <a:t>Go to Google Images, key in puppy 540 x 540 in the search box.  Grab the upper-left image (for me a Golder Retriever eating a bone with Thank you! below it).  Save the image as puppy.jpg in the public/images folder</a:t>
             </a:r>
             <a:endParaRPr lang="en-US" sz="1800" dirty="0">
@@ -5645,7 +5491,7 @@
           <p:cNvPr id="4" name="Rectangle 3">
             <a:extLst>
               <a:ext uri="{FF2B5EF4-FFF2-40B4-BE49-F238E27FC236}">
-                <a16:creationId xmlns:a16="http://schemas.microsoft.com/office/drawing/2014/main" xmlns="" id="{0C71533A-4A29-47E2-A4D4-85E44356516A}"/>
+                <a16:creationId xmlns:a16="http://schemas.microsoft.com/office/drawing/2014/main" id="{0C71533A-4A29-47E2-A4D4-85E44356516A}"/>
               </a:ext>
             </a:extLst>
           </p:cNvPr>
@@ -5668,7 +5514,7 @@
           <a:lstStyle/>
           <a:p>
             <a:r>
-              <a:rPr lang="en-US" sz="1600" b="1" dirty="0" smtClean="0"/>
+              <a:rPr lang="en-US" sz="1600" b="1" dirty="0"/>
               <a:t>Source</a:t>
             </a:r>
           </a:p>
@@ -5720,13 +5566,6 @@
   <p:clrMapOvr>
     <a:masterClrMapping/>
   </p:clrMapOvr>
-  <p:timing>
-    <p:tnLst>
-      <p:par>
-        <p:cTn id="1" dur="indefinite" restart="never" nodeType="tmRoot"/>
-      </p:par>
-    </p:tnLst>
-  </p:timing>
 </p:sld>
 </file>
 
@@ -5752,7 +5591,7 @@
           <p:cNvPr id="2" name="Title 1">
             <a:extLst>
               <a:ext uri="{FF2B5EF4-FFF2-40B4-BE49-F238E27FC236}">
-                <a16:creationId xmlns:a16="http://schemas.microsoft.com/office/drawing/2014/main" xmlns="" id="{BDFAC13C-59B1-436E-B58F-C304E1C705CF}"/>
+                <a16:creationId xmlns:a16="http://schemas.microsoft.com/office/drawing/2014/main" id="{BDFAC13C-59B1-436E-B58F-C304E1C705CF}"/>
               </a:ext>
             </a:extLst>
           </p:cNvPr>
@@ -5776,10 +5615,9 @@
           <a:lstStyle/>
           <a:p>
             <a:r>
-              <a:rPr lang="en-US" u="sng" dirty="0" smtClean="0"/>
+              <a:rPr lang="en-US" u="sng" dirty="0"/>
               <a:t>Serving Static Files with express.js</a:t>
             </a:r>
-            <a:endParaRPr lang="en-US" u="sng" dirty="0"/>
           </a:p>
         </p:txBody>
       </p:sp>
@@ -5788,7 +5626,7 @@
           <p:cNvPr id="3" name="Content Placeholder 2">
             <a:extLst>
               <a:ext uri="{FF2B5EF4-FFF2-40B4-BE49-F238E27FC236}">
-                <a16:creationId xmlns:a16="http://schemas.microsoft.com/office/drawing/2014/main" xmlns="" id="{844A3DC5-46BF-4BFF-8008-98FD467C4904}"/>
+                <a16:creationId xmlns:a16="http://schemas.microsoft.com/office/drawing/2014/main" id="{844A3DC5-46BF-4BFF-8008-98FD467C4904}"/>
               </a:ext>
             </a:extLst>
           </p:cNvPr>
@@ -5812,92 +5650,61 @@
           <a:lstStyle/>
           <a:p>
             <a:r>
-              <a:rPr lang="en-US" sz="1800" dirty="0" smtClean="0"/>
+              <a:rPr lang="en-US" sz="1800" dirty="0"/>
               <a:t>After the </a:t>
             </a:r>
             <a:r>
-              <a:rPr lang="en-US" sz="1800" dirty="0" smtClean="0">
+              <a:rPr lang="en-US" sz="1800" dirty="0">
                 <a:latin typeface="Consolas" panose="020B0609020204030204" pitchFamily="49" charset="0"/>
               </a:rPr>
               <a:t>const app = express;</a:t>
             </a:r>
             <a:r>
-              <a:rPr lang="en-US" sz="1800" dirty="0" smtClean="0"/>
+              <a:rPr lang="en-US" sz="1800" dirty="0"/>
               <a:t> and before the </a:t>
             </a:r>
             <a:r>
               <a:rPr lang="en-US" sz="1800" dirty="0">
                 <a:latin typeface="Consolas" panose="020B0609020204030204" pitchFamily="49" charset="0"/>
               </a:rPr>
-              <a:t>app.get</a:t>
-            </a:r>
-            <a:r>
-              <a:rPr lang="en-US" sz="1800" dirty="0" smtClean="0">
-                <a:latin typeface="Consolas" panose="020B0609020204030204" pitchFamily="49" charset="0"/>
-              </a:rPr>
-              <a:t>("/",</a:t>
-            </a:r>
+              <a:t>app.get("/", (req, res) =&gt; { … </a:t>
+            </a:r>
+            <a:r>
+              <a:rPr lang="en-US" sz="1800" dirty="0"/>
+              <a:t>block add this:</a:t>
+            </a:r>
+          </a:p>
+          <a:p>
+            <a:pPr marL="0" indent="0">
+              <a:buNone/>
+            </a:pPr>
             <a:r>
               <a:rPr lang="en-US" sz="1800" dirty="0">
                 <a:latin typeface="Consolas" panose="020B0609020204030204" pitchFamily="49" charset="0"/>
               </a:rPr>
-              <a:t> (req, res) </a:t>
-            </a:r>
-            <a:r>
-              <a:rPr lang="en-US" sz="1800" dirty="0" smtClean="0">
-                <a:latin typeface="Consolas" panose="020B0609020204030204" pitchFamily="49" charset="0"/>
-              </a:rPr>
-              <a:t>=&gt; { … </a:t>
-            </a:r>
-            <a:r>
-              <a:rPr lang="en-US" sz="1800" dirty="0" smtClean="0"/>
-              <a:t>block add this:</a:t>
+              <a:t>app.use(express.static('public'));</a:t>
             </a:r>
           </a:p>
           <a:p>
             <a:pPr marL="0" indent="0">
               <a:buNone/>
             </a:pPr>
-            <a:r>
-              <a:rPr lang="en-US" sz="1800" dirty="0" smtClean="0">
-                <a:latin typeface="Consolas" panose="020B0609020204030204" pitchFamily="49" charset="0"/>
-              </a:rPr>
-              <a:t>app.use(express.static</a:t>
-            </a:r>
             <a:r>
               <a:rPr lang="en-US" sz="1800" dirty="0">
                 <a:latin typeface="Consolas" panose="020B0609020204030204" pitchFamily="49" charset="0"/>
               </a:rPr>
-              <a:t>('public</a:t>
-            </a:r>
-            <a:r>
-              <a:rPr lang="en-US" sz="1800" dirty="0" smtClean="0">
-                <a:latin typeface="Consolas" panose="020B0609020204030204" pitchFamily="49" charset="0"/>
-              </a:rPr>
-              <a:t>'));</a:t>
+              <a:t>app.get('/images', function (req, res) {</a:t>
             </a:r>
           </a:p>
           <a:p>
             <a:pPr marL="0" indent="0">
               <a:buNone/>
             </a:pPr>
-            <a:r>
-              <a:rPr lang="en-US" sz="1800" dirty="0" smtClean="0">
-                <a:latin typeface="Consolas" panose="020B0609020204030204" pitchFamily="49" charset="0"/>
-              </a:rPr>
-              <a:t>app.get</a:t>
-            </a:r>
             <a:r>
               <a:rPr lang="en-US" sz="1800" dirty="0">
                 <a:latin typeface="Consolas" panose="020B0609020204030204" pitchFamily="49" charset="0"/>
               </a:rPr>
-              <a:t>('/images', function (req, res) </a:t>
-            </a:r>
-            <a:r>
-              <a:rPr lang="en-US" sz="1800" dirty="0" smtClean="0">
-                <a:latin typeface="Consolas" panose="020B0609020204030204" pitchFamily="49" charset="0"/>
-              </a:rPr>
-              <a:t>{</a:t>
+              <a:t> res.sendFile( __dirname + "/public/images/" + "puppy.jpg" );</a:t>
             </a:r>
           </a:p>
           <a:p>
@@ -5908,64 +5715,8 @@
               <a:rPr lang="en-US" sz="1800" dirty="0">
                 <a:latin typeface="Consolas" panose="020B0609020204030204" pitchFamily="49" charset="0"/>
               </a:rPr>
-              <a:t> res.sendFile( __dirname + </a:t>
-            </a:r>
-            <a:r>
-              <a:rPr lang="en-US" sz="1800" dirty="0" smtClean="0">
-                <a:latin typeface="Consolas" panose="020B0609020204030204" pitchFamily="49" charset="0"/>
-              </a:rPr>
-              <a:t>"/</a:t>
-            </a:r>
-            <a:r>
-              <a:rPr lang="en-US" sz="1800" dirty="0">
-                <a:latin typeface="Consolas" panose="020B0609020204030204" pitchFamily="49" charset="0"/>
-              </a:rPr>
-              <a:t>public/images</a:t>
-            </a:r>
-            <a:r>
-              <a:rPr lang="en-US" sz="1800" dirty="0" smtClean="0">
-                <a:latin typeface="Consolas" panose="020B0609020204030204" pitchFamily="49" charset="0"/>
-              </a:rPr>
-              <a:t>/"</a:t>
-            </a:r>
-            <a:r>
-              <a:rPr lang="en-US" sz="1800" dirty="0">
-                <a:latin typeface="Consolas" panose="020B0609020204030204" pitchFamily="49" charset="0"/>
-              </a:rPr>
-              <a:t> + </a:t>
-            </a:r>
-            <a:r>
-              <a:rPr lang="en-US" sz="1800" dirty="0" smtClean="0">
-                <a:latin typeface="Consolas" panose="020B0609020204030204" pitchFamily="49" charset="0"/>
-              </a:rPr>
-              <a:t>"puppy.jpg"</a:t>
-            </a:r>
-            <a:r>
-              <a:rPr lang="en-US" sz="1800" dirty="0">
-                <a:latin typeface="Consolas" panose="020B0609020204030204" pitchFamily="49" charset="0"/>
-              </a:rPr>
-              <a:t> </a:t>
-            </a:r>
-            <a:r>
-              <a:rPr lang="en-US" sz="1800" dirty="0" smtClean="0">
-                <a:latin typeface="Consolas" panose="020B0609020204030204" pitchFamily="49" charset="0"/>
-              </a:rPr>
-              <a:t>);</a:t>
-            </a:r>
-          </a:p>
-          <a:p>
-            <a:pPr marL="0" indent="0">
-              <a:buNone/>
-            </a:pPr>
-            <a:r>
-              <a:rPr lang="en-US" sz="1800" dirty="0" smtClean="0">
-                <a:latin typeface="Consolas" panose="020B0609020204030204" pitchFamily="49" charset="0"/>
-              </a:rPr>
               <a:t>});</a:t>
             </a:r>
-            <a:endParaRPr lang="en-US" sz="1800" dirty="0">
-              <a:latin typeface="Consolas" panose="020B0609020204030204" pitchFamily="49" charset="0"/>
-            </a:endParaRPr>
           </a:p>
           <a:p>
             <a:pPr marL="0" indent="0">
@@ -5974,7 +5725,7 @@
             <a:endParaRPr lang="en-US" sz="1800" dirty="0"/>
           </a:p>
           <a:p>
-            <a:endParaRPr lang="en-US" sz="1800" dirty="0" smtClean="0"/>
+            <a:endParaRPr lang="en-US" sz="1800" dirty="0"/>
           </a:p>
           <a:p>
             <a:pPr marL="0" indent="0">
@@ -5991,7 +5742,7 @@
           <p:cNvPr id="4" name="Rectangle 3">
             <a:extLst>
               <a:ext uri="{FF2B5EF4-FFF2-40B4-BE49-F238E27FC236}">
-                <a16:creationId xmlns:a16="http://schemas.microsoft.com/office/drawing/2014/main" xmlns="" id="{0C71533A-4A29-47E2-A4D4-85E44356516A}"/>
+                <a16:creationId xmlns:a16="http://schemas.microsoft.com/office/drawing/2014/main" id="{0C71533A-4A29-47E2-A4D4-85E44356516A}"/>
               </a:ext>
             </a:extLst>
           </p:cNvPr>
@@ -6014,7 +5765,7 @@
           <a:lstStyle/>
           <a:p>
             <a:r>
-              <a:rPr lang="en-US" sz="1600" b="1" dirty="0" smtClean="0"/>
+              <a:rPr lang="en-US" sz="1600" b="1" dirty="0"/>
               <a:t>Source</a:t>
             </a:r>
           </a:p>
@@ -6066,13 +5817,6 @@
   <p:clrMapOvr>
     <a:masterClrMapping/>
   </p:clrMapOvr>
-  <p:timing>
-    <p:tnLst>
-      <p:par>
-        <p:cTn id="1" dur="indefinite" restart="never" nodeType="tmRoot"/>
-      </p:par>
-    </p:tnLst>
-  </p:timing>
 </p:sld>
 </file>
 
@@ -6098,7 +5842,7 @@
           <p:cNvPr id="2" name="Title 1">
             <a:extLst>
               <a:ext uri="{FF2B5EF4-FFF2-40B4-BE49-F238E27FC236}">
-                <a16:creationId xmlns:a16="http://schemas.microsoft.com/office/drawing/2014/main" xmlns="" id="{BDFAC13C-59B1-436E-B58F-C304E1C705CF}"/>
+                <a16:creationId xmlns:a16="http://schemas.microsoft.com/office/drawing/2014/main" id="{BDFAC13C-59B1-436E-B58F-C304E1C705CF}"/>
               </a:ext>
             </a:extLst>
           </p:cNvPr>
@@ -6122,20 +5866,12 @@
           <a:lstStyle/>
           <a:p>
             <a:r>
-              <a:rPr lang="en-US" u="sng" dirty="0" smtClean="0"/>
+              <a:rPr lang="en-US" u="sng" dirty="0"/>
               <a:t>Serving Static Files with express.js </a:t>
             </a:r>
             <a:r>
               <a:rPr lang="en-US" sz="2000" dirty="0"/>
-              <a:t>(each </a:t>
-            </a:r>
-            <a:r>
-              <a:rPr lang="en-US" sz="2000" dirty="0" smtClean="0"/>
-              <a:t>new statement </a:t>
-            </a:r>
-            <a:r>
-              <a:rPr lang="en-US" sz="2000" dirty="0"/>
-              <a:t>explained)</a:t>
+              <a:t>(each new statement explained)</a:t>
             </a:r>
             <a:endParaRPr lang="en-US" sz="2000" u="sng" dirty="0"/>
           </a:p>
@@ -6146,7 +5882,7 @@
           <p:cNvPr id="3" name="Content Placeholder 2">
             <a:extLst>
               <a:ext uri="{FF2B5EF4-FFF2-40B4-BE49-F238E27FC236}">
-                <a16:creationId xmlns:a16="http://schemas.microsoft.com/office/drawing/2014/main" xmlns="" id="{844A3DC5-46BF-4BFF-8008-98FD467C4904}"/>
+                <a16:creationId xmlns:a16="http://schemas.microsoft.com/office/drawing/2014/main" id="{844A3DC5-46BF-4BFF-8008-98FD467C4904}"/>
               </a:ext>
             </a:extLst>
           </p:cNvPr>
@@ -6173,34 +5909,17 @@
               <a:buNone/>
             </a:pPr>
             <a:r>
-              <a:rPr lang="en-US" sz="1800" dirty="0" smtClean="0">
-                <a:latin typeface="Consolas" panose="020B0609020204030204" pitchFamily="49" charset="0"/>
-              </a:rPr>
-              <a:t>app.use(express.static</a:t>
-            </a:r>
-            <a:r>
               <a:rPr lang="en-US" sz="1800" dirty="0">
                 <a:latin typeface="Consolas" panose="020B0609020204030204" pitchFamily="49" charset="0"/>
               </a:rPr>
-              <a:t>('public</a:t>
-            </a:r>
-            <a:r>
-              <a:rPr lang="en-US" sz="1800" dirty="0" smtClean="0">
-                <a:latin typeface="Consolas" panose="020B0609020204030204" pitchFamily="49" charset="0"/>
-              </a:rPr>
-              <a:t>'));</a:t>
-            </a:r>
-          </a:p>
-          <a:p>
-            <a:r>
-              <a:rPr lang="en-US" sz="1800" dirty="0" smtClean="0"/>
-              <a:t>This makes the contents of the public folder known to </a:t>
-            </a:r>
-            <a:r>
-              <a:rPr lang="en-US" sz="1800" dirty="0" smtClean="0"/>
-              <a:t>express</a:t>
-            </a:r>
-            <a:endParaRPr lang="en-US" sz="1800" dirty="0" smtClean="0"/>
+              <a:t>app.use(express.static('public'));</a:t>
+            </a:r>
+          </a:p>
+          <a:p>
+            <a:r>
+              <a:rPr lang="en-US" sz="1800" dirty="0"/>
+              <a:t>This makes the contents of the public folder known to express</a:t>
+            </a:r>
           </a:p>
           <a:p>
             <a:pPr marL="0" indent="0">
@@ -6217,7 +5936,7 @@
           <p:cNvPr id="4" name="Rectangle 3">
             <a:extLst>
               <a:ext uri="{FF2B5EF4-FFF2-40B4-BE49-F238E27FC236}">
-                <a16:creationId xmlns:a16="http://schemas.microsoft.com/office/drawing/2014/main" xmlns="" id="{0C71533A-4A29-47E2-A4D4-85E44356516A}"/>
+                <a16:creationId xmlns:a16="http://schemas.microsoft.com/office/drawing/2014/main" id="{0C71533A-4A29-47E2-A4D4-85E44356516A}"/>
               </a:ext>
             </a:extLst>
           </p:cNvPr>
@@ -6240,7 +5959,7 @@
           <a:lstStyle/>
           <a:p>
             <a:r>
-              <a:rPr lang="en-US" sz="1600" b="1" dirty="0" smtClean="0"/>
+              <a:rPr lang="en-US" sz="1600" b="1" dirty="0"/>
               <a:t>Source</a:t>
             </a:r>
           </a:p>
@@ -6292,13 +6011,6 @@
   <p:clrMapOvr>
     <a:masterClrMapping/>
   </p:clrMapOvr>
-  <p:timing>
-    <p:tnLst>
-      <p:par>
-        <p:cTn id="1" dur="indefinite" restart="never" nodeType="tmRoot"/>
-      </p:par>
-    </p:tnLst>
-  </p:timing>
 </p:sld>
 </file>
 
@@ -6324,7 +6036,7 @@
           <p:cNvPr id="2" name="Title 1">
             <a:extLst>
               <a:ext uri="{FF2B5EF4-FFF2-40B4-BE49-F238E27FC236}">
-                <a16:creationId xmlns:a16="http://schemas.microsoft.com/office/drawing/2014/main" xmlns="" id="{BDFAC13C-59B1-436E-B58F-C304E1C705CF}"/>
+                <a16:creationId xmlns:a16="http://schemas.microsoft.com/office/drawing/2014/main" id="{BDFAC13C-59B1-436E-B58F-C304E1C705CF}"/>
               </a:ext>
             </a:extLst>
           </p:cNvPr>
@@ -6348,20 +6060,12 @@
           <a:lstStyle/>
           <a:p>
             <a:r>
-              <a:rPr lang="en-US" u="sng" dirty="0" smtClean="0"/>
+              <a:rPr lang="en-US" u="sng" dirty="0"/>
               <a:t>Serving Static Files with express.js </a:t>
             </a:r>
             <a:r>
               <a:rPr lang="en-US" sz="2000" dirty="0"/>
-              <a:t>(each </a:t>
-            </a:r>
-            <a:r>
-              <a:rPr lang="en-US" sz="2000" dirty="0" smtClean="0"/>
-              <a:t>new statement </a:t>
-            </a:r>
-            <a:r>
-              <a:rPr lang="en-US" sz="2000" dirty="0"/>
-              <a:t>explained)</a:t>
+              <a:t>(each new statement explained)</a:t>
             </a:r>
             <a:endParaRPr lang="en-US" sz="2000" u="sng" dirty="0"/>
           </a:p>
@@ -6372,7 +6076,7 @@
           <p:cNvPr id="3" name="Content Placeholder 2">
             <a:extLst>
               <a:ext uri="{FF2B5EF4-FFF2-40B4-BE49-F238E27FC236}">
-                <a16:creationId xmlns:a16="http://schemas.microsoft.com/office/drawing/2014/main" xmlns="" id="{844A3DC5-46BF-4BFF-8008-98FD467C4904}"/>
+                <a16:creationId xmlns:a16="http://schemas.microsoft.com/office/drawing/2014/main" id="{844A3DC5-46BF-4BFF-8008-98FD467C4904}"/>
               </a:ext>
             </a:extLst>
           </p:cNvPr>
@@ -6399,22 +6103,10 @@
               <a:buNone/>
             </a:pPr>
             <a:r>
-              <a:rPr lang="en-US" sz="1800" dirty="0" smtClean="0">
-                <a:latin typeface="Consolas" panose="020B0609020204030204" pitchFamily="49" charset="0"/>
-              </a:rPr>
-              <a:t>app.get</a:t>
-            </a:r>
-            <a:r>
               <a:rPr lang="en-US" sz="1800" dirty="0">
                 <a:latin typeface="Consolas" panose="020B0609020204030204" pitchFamily="49" charset="0"/>
               </a:rPr>
-              <a:t>('/images', function (req, res) </a:t>
-            </a:r>
-            <a:r>
-              <a:rPr lang="en-US" sz="1800" dirty="0" smtClean="0">
-                <a:latin typeface="Consolas" panose="020B0609020204030204" pitchFamily="49" charset="0"/>
-              </a:rPr>
-              <a:t>{</a:t>
+              <a:t>app.get('/images', function (req, res) {</a:t>
             </a:r>
           </a:p>
           <a:p>
@@ -6425,75 +6117,28 @@
               <a:rPr lang="en-US" sz="1800" dirty="0">
                 <a:latin typeface="Consolas" panose="020B0609020204030204" pitchFamily="49" charset="0"/>
               </a:rPr>
-              <a:t> res.sendFile( __dirname + </a:t>
-            </a:r>
-            <a:r>
-              <a:rPr lang="en-US" sz="1800" dirty="0" smtClean="0">
-                <a:latin typeface="Consolas" panose="020B0609020204030204" pitchFamily="49" charset="0"/>
-              </a:rPr>
-              <a:t>"/</a:t>
-            </a:r>
+              <a:t> res.sendFile( __dirname + "/public/images/" + "puppy.jpg" );</a:t>
+            </a:r>
+          </a:p>
+          <a:p>
+            <a:pPr marL="0" indent="0">
+              <a:buNone/>
+            </a:pPr>
             <a:r>
               <a:rPr lang="en-US" sz="1800" dirty="0">
                 <a:latin typeface="Consolas" panose="020B0609020204030204" pitchFamily="49" charset="0"/>
               </a:rPr>
-              <a:t>public/images</a:t>
-            </a:r>
-            <a:r>
-              <a:rPr lang="en-US" sz="1800" dirty="0" smtClean="0">
-                <a:latin typeface="Consolas" panose="020B0609020204030204" pitchFamily="49" charset="0"/>
-              </a:rPr>
-              <a:t>/"</a:t>
-            </a:r>
-            <a:r>
-              <a:rPr lang="en-US" sz="1800" dirty="0">
-                <a:latin typeface="Consolas" panose="020B0609020204030204" pitchFamily="49" charset="0"/>
-              </a:rPr>
-              <a:t> + </a:t>
-            </a:r>
-            <a:r>
-              <a:rPr lang="en-US" sz="1800" dirty="0" smtClean="0">
-                <a:latin typeface="Consolas" panose="020B0609020204030204" pitchFamily="49" charset="0"/>
-              </a:rPr>
-              <a:t>"puppy.jpg"</a:t>
-            </a:r>
-            <a:r>
-              <a:rPr lang="en-US" sz="1800" dirty="0">
-                <a:latin typeface="Consolas" panose="020B0609020204030204" pitchFamily="49" charset="0"/>
-              </a:rPr>
-              <a:t> </a:t>
-            </a:r>
-            <a:r>
-              <a:rPr lang="en-US" sz="1800" dirty="0" smtClean="0">
-                <a:latin typeface="Consolas" panose="020B0609020204030204" pitchFamily="49" charset="0"/>
-              </a:rPr>
-              <a:t>);</a:t>
-            </a:r>
-          </a:p>
-          <a:p>
-            <a:pPr marL="0" indent="0">
-              <a:buNone/>
-            </a:pPr>
-            <a:r>
-              <a:rPr lang="en-US" sz="1800" dirty="0" smtClean="0">
-                <a:latin typeface="Consolas" panose="020B0609020204030204" pitchFamily="49" charset="0"/>
-              </a:rPr>
               <a:t>});</a:t>
             </a:r>
           </a:p>
           <a:p>
             <a:r>
               <a:rPr lang="en-US" sz="1800" dirty="0"/>
-              <a:t>This </a:t>
-            </a:r>
-            <a:r>
-              <a:rPr lang="en-US" sz="1800" dirty="0" smtClean="0"/>
-              <a:t>sets up the route to the puppy.js file.  Run the program, in browser enter localhost:3000/images/   See the next page for the results</a:t>
-            </a:r>
+              <a:t>This sets up the route to the puppy.js file.  Run the program, in browser enter localhost:3000/images/   See the next page for the results</a:t>
+            </a:r>
+          </a:p>
+          <a:p>
             <a:endParaRPr lang="en-US" sz="1800" dirty="0"/>
-          </a:p>
-          <a:p>
-            <a:endParaRPr lang="en-US" sz="1800" dirty="0" smtClean="0"/>
           </a:p>
           <a:p>
             <a:pPr marL="0" indent="0">
@@ -6510,7 +6155,7 @@
           <p:cNvPr id="4" name="Rectangle 3">
             <a:extLst>
               <a:ext uri="{FF2B5EF4-FFF2-40B4-BE49-F238E27FC236}">
-                <a16:creationId xmlns:a16="http://schemas.microsoft.com/office/drawing/2014/main" xmlns="" id="{0C71533A-4A29-47E2-A4D4-85E44356516A}"/>
+                <a16:creationId xmlns:a16="http://schemas.microsoft.com/office/drawing/2014/main" id="{0C71533A-4A29-47E2-A4D4-85E44356516A}"/>
               </a:ext>
             </a:extLst>
           </p:cNvPr>
@@ -6533,7 +6178,7 @@
           <a:lstStyle/>
           <a:p>
             <a:r>
-              <a:rPr lang="en-US" sz="1600" b="1" dirty="0" smtClean="0"/>
+              <a:rPr lang="en-US" sz="1600" b="1" dirty="0"/>
               <a:t>Source</a:t>
             </a:r>
           </a:p>
@@ -6585,13 +6230,6 @@
   <p:clrMapOvr>
     <a:masterClrMapping/>
   </p:clrMapOvr>
-  <p:timing>
-    <p:tnLst>
-      <p:par>
-        <p:cTn id="1" dur="indefinite" restart="never" nodeType="tmRoot"/>
-      </p:par>
-    </p:tnLst>
-  </p:timing>
 </p:sld>
 </file>
 
@@ -6617,7 +6255,7 @@
           <p:cNvPr id="2" name="Title 1">
             <a:extLst>
               <a:ext uri="{FF2B5EF4-FFF2-40B4-BE49-F238E27FC236}">
-                <a16:creationId xmlns:a16="http://schemas.microsoft.com/office/drawing/2014/main" xmlns="" id="{BDFAC13C-59B1-436E-B58F-C304E1C705CF}"/>
+                <a16:creationId xmlns:a16="http://schemas.microsoft.com/office/drawing/2014/main" id="{BDFAC13C-59B1-436E-B58F-C304E1C705CF}"/>
               </a:ext>
             </a:extLst>
           </p:cNvPr>
@@ -6641,20 +6279,12 @@
           <a:lstStyle/>
           <a:p>
             <a:r>
-              <a:rPr lang="en-US" u="sng" dirty="0" smtClean="0"/>
+              <a:rPr lang="en-US" u="sng" dirty="0"/>
               <a:t>Serving Static Files with express.js </a:t>
             </a:r>
             <a:r>
               <a:rPr lang="en-US" sz="2000" dirty="0"/>
-              <a:t>(each </a:t>
-            </a:r>
-            <a:r>
-              <a:rPr lang="en-US" sz="2000" dirty="0" smtClean="0"/>
-              <a:t>new statement </a:t>
-            </a:r>
-            <a:r>
-              <a:rPr lang="en-US" sz="2000" dirty="0"/>
-              <a:t>explained)</a:t>
+              <a:t>(each new statement explained)</a:t>
             </a:r>
             <a:endParaRPr lang="en-US" sz="2000" u="sng" dirty="0"/>
           </a:p>
@@ -6665,7 +6295,7 @@
           <p:cNvPr id="3" name="Content Placeholder 2">
             <a:extLst>
               <a:ext uri="{FF2B5EF4-FFF2-40B4-BE49-F238E27FC236}">
-                <a16:creationId xmlns:a16="http://schemas.microsoft.com/office/drawing/2014/main" xmlns="" id="{844A3DC5-46BF-4BFF-8008-98FD467C4904}"/>
+                <a16:creationId xmlns:a16="http://schemas.microsoft.com/office/drawing/2014/main" id="{844A3DC5-46BF-4BFF-8008-98FD467C4904}"/>
               </a:ext>
             </a:extLst>
           </p:cNvPr>
@@ -6688,7 +6318,7 @@
           </a:bodyPr>
           <a:lstStyle/>
           <a:p>
-            <a:endParaRPr lang="en-US" sz="1800" dirty="0" smtClean="0"/>
+            <a:endParaRPr lang="en-US" sz="1800" dirty="0"/>
           </a:p>
           <a:p>
             <a:pPr marL="0" indent="0">
@@ -6705,7 +6335,7 @@
           <p:cNvPr id="4" name="Rectangle 3">
             <a:extLst>
               <a:ext uri="{FF2B5EF4-FFF2-40B4-BE49-F238E27FC236}">
-                <a16:creationId xmlns:a16="http://schemas.microsoft.com/office/drawing/2014/main" xmlns="" id="{0C71533A-4A29-47E2-A4D4-85E44356516A}"/>
+                <a16:creationId xmlns:a16="http://schemas.microsoft.com/office/drawing/2014/main" id="{0C71533A-4A29-47E2-A4D4-85E44356516A}"/>
               </a:ext>
             </a:extLst>
           </p:cNvPr>
@@ -6728,7 +6358,7 @@
           <a:lstStyle/>
           <a:p>
             <a:r>
-              <a:rPr lang="en-US" sz="1600" b="1" dirty="0" smtClean="0"/>
+              <a:rPr lang="en-US" sz="1600" b="1" dirty="0"/>
               <a:t>Source</a:t>
             </a:r>
           </a:p>
@@ -6804,13 +6434,6 @@
   <p:clrMapOvr>
     <a:masterClrMapping/>
   </p:clrMapOvr>
-  <p:timing>
-    <p:tnLst>
-      <p:par>
-        <p:cTn id="1" dur="indefinite" restart="never" nodeType="tmRoot"/>
-      </p:par>
-    </p:tnLst>
-  </p:timing>
 </p:sld>
 </file>
 
@@ -6836,7 +6459,7 @@
           <p:cNvPr id="2" name="Title 1">
             <a:extLst>
               <a:ext uri="{FF2B5EF4-FFF2-40B4-BE49-F238E27FC236}">
-                <a16:creationId xmlns:a16="http://schemas.microsoft.com/office/drawing/2014/main" xmlns="" id="{BDFAC13C-59B1-436E-B58F-C304E1C705CF}"/>
+                <a16:creationId xmlns:a16="http://schemas.microsoft.com/office/drawing/2014/main" id="{BDFAC13C-59B1-436E-B58F-C304E1C705CF}"/>
               </a:ext>
             </a:extLst>
           </p:cNvPr>
@@ -6860,7 +6483,7 @@
           <a:lstStyle/>
           <a:p>
             <a:r>
-              <a:rPr lang="en-US" u="sng" dirty="0" smtClean="0"/>
+              <a:rPr lang="en-US" u="sng" dirty="0"/>
               <a:t>Routing</a:t>
             </a:r>
             <a:endParaRPr lang="en-US" sz="2000" u="sng" dirty="0"/>
@@ -6872,7 +6495,7 @@
           <p:cNvPr id="3" name="Content Placeholder 2">
             <a:extLst>
               <a:ext uri="{FF2B5EF4-FFF2-40B4-BE49-F238E27FC236}">
-                <a16:creationId xmlns:a16="http://schemas.microsoft.com/office/drawing/2014/main" xmlns="" id="{844A3DC5-46BF-4BFF-8008-98FD467C4904}"/>
+                <a16:creationId xmlns:a16="http://schemas.microsoft.com/office/drawing/2014/main" id="{844A3DC5-46BF-4BFF-8008-98FD467C4904}"/>
               </a:ext>
             </a:extLst>
           </p:cNvPr>
@@ -6900,48 +6523,24 @@
               <a:t>Routing refers to how an application's endpoints (a.k.a. </a:t>
             </a:r>
             <a:r>
-              <a:rPr lang="en-US" sz="1800" dirty="0" smtClean="0">
+              <a:rPr lang="en-US" sz="1800" dirty="0">
                 <a:hlinkClick r:id="rId2"/>
               </a:rPr>
               <a:t>URI</a:t>
             </a:r>
             <a:r>
-              <a:rPr lang="en-US" sz="1800" dirty="0" smtClean="0"/>
-              <a:t> </a:t>
-            </a:r>
-            <a:r>
               <a:rPr lang="en-US" sz="1800" dirty="0"/>
-              <a:t>or Uniform Resource Identifier</a:t>
-            </a:r>
-            <a:r>
-              <a:rPr lang="en-US" sz="1800" dirty="0" smtClean="0"/>
-              <a:t>) respond </a:t>
-            </a:r>
+              <a:t> or Uniform Resource Identifier) respond to client requests</a:t>
+            </a:r>
+          </a:p>
+          <a:p>
             <a:r>
               <a:rPr lang="en-US" sz="1800" dirty="0"/>
-              <a:t>to client </a:t>
-            </a:r>
-            <a:r>
-              <a:rPr lang="en-US" sz="1800" dirty="0" smtClean="0"/>
-              <a:t>requests</a:t>
-            </a:r>
-          </a:p>
-          <a:p>
-            <a:r>
-              <a:rPr lang="en-US" sz="1800" dirty="0"/>
-              <a:t>One can define routing using methods of the Express app object that correspond to HTTP </a:t>
-            </a:r>
-            <a:r>
-              <a:rPr lang="en-US" sz="1800" dirty="0" smtClean="0"/>
-              <a:t>methods.  For </a:t>
-            </a:r>
-            <a:r>
-              <a:rPr lang="en-US" sz="1800" dirty="0"/>
-              <a:t>example, app.get() to handle GET requests and app.post to handle POST requests</a:t>
-            </a:r>
-          </a:p>
-          <a:p>
-            <a:endParaRPr lang="en-US" sz="1800" dirty="0" smtClean="0"/>
+              <a:t>One can define routing using methods of the Express app object that correspond to HTTP methods.  For example, app.get() to handle GET requests and app.post to handle POST requests</a:t>
+            </a:r>
+          </a:p>
+          <a:p>
+            <a:endParaRPr lang="en-US" sz="1800" dirty="0"/>
           </a:p>
           <a:p>
             <a:pPr marL="0" indent="0">
@@ -6958,7 +6557,7 @@
           <p:cNvPr id="4" name="Rectangle 3">
             <a:extLst>
               <a:ext uri="{FF2B5EF4-FFF2-40B4-BE49-F238E27FC236}">
-                <a16:creationId xmlns:a16="http://schemas.microsoft.com/office/drawing/2014/main" xmlns="" id="{0C71533A-4A29-47E2-A4D4-85E44356516A}"/>
+                <a16:creationId xmlns:a16="http://schemas.microsoft.com/office/drawing/2014/main" id="{0C71533A-4A29-47E2-A4D4-85E44356516A}"/>
               </a:ext>
             </a:extLst>
           </p:cNvPr>
@@ -6981,7 +6580,7 @@
           <a:lstStyle/>
           <a:p>
             <a:r>
-              <a:rPr lang="en-US" sz="1600" b="1" dirty="0" smtClean="0"/>
+              <a:rPr lang="en-US" sz="1600" b="1" dirty="0"/>
               <a:t>Source</a:t>
             </a:r>
           </a:p>
@@ -7033,13 +6632,6 @@
   <p:clrMapOvr>
     <a:masterClrMapping/>
   </p:clrMapOvr>
-  <p:timing>
-    <p:tnLst>
-      <p:par>
-        <p:cTn id="1" dur="indefinite" restart="never" nodeType="tmRoot"/>
-      </p:par>
-    </p:tnLst>
-  </p:timing>
 </p:sld>
 </file>
 
@@ -7065,7 +6657,7 @@
           <p:cNvPr id="2" name="Title 1">
             <a:extLst>
               <a:ext uri="{FF2B5EF4-FFF2-40B4-BE49-F238E27FC236}">
-                <a16:creationId xmlns:a16="http://schemas.microsoft.com/office/drawing/2014/main" xmlns="" id="{BDFAC13C-59B1-436E-B58F-C304E1C705CF}"/>
+                <a16:creationId xmlns:a16="http://schemas.microsoft.com/office/drawing/2014/main" id="{BDFAC13C-59B1-436E-B58F-C304E1C705CF}"/>
               </a:ext>
             </a:extLst>
           </p:cNvPr>
@@ -7089,10 +6681,9 @@
           <a:lstStyle/>
           <a:p>
             <a:r>
-              <a:rPr lang="en-US" u="sng" dirty="0" smtClean="0"/>
+              <a:rPr lang="en-US" u="sng" dirty="0"/>
               <a:t>Objectives</a:t>
             </a:r>
-            <a:endParaRPr lang="en-US" u="sng" dirty="0"/>
           </a:p>
         </p:txBody>
       </p:sp>
@@ -7101,7 +6692,7 @@
           <p:cNvPr id="3" name="Content Placeholder 2">
             <a:extLst>
               <a:ext uri="{FF2B5EF4-FFF2-40B4-BE49-F238E27FC236}">
-                <a16:creationId xmlns:a16="http://schemas.microsoft.com/office/drawing/2014/main" xmlns="" id="{844A3DC5-46BF-4BFF-8008-98FD467C4904}"/>
+                <a16:creationId xmlns:a16="http://schemas.microsoft.com/office/drawing/2014/main" id="{844A3DC5-46BF-4BFF-8008-98FD467C4904}"/>
               </a:ext>
             </a:extLst>
           </p:cNvPr>
@@ -7125,14 +6716,9 @@
           <a:lstStyle/>
           <a:p>
             <a:r>
-              <a:rPr lang="en-US" sz="1800" dirty="0" smtClean="0"/>
-              <a:t>Using express.js in a node.js application (Part I</a:t>
-            </a:r>
-            <a:r>
-              <a:rPr lang="en-US" sz="1800" dirty="0" smtClean="0"/>
-              <a:t>)</a:t>
-            </a:r>
-            <a:endParaRPr lang="en-US" sz="1800" dirty="0" smtClean="0"/>
+              <a:rPr lang="en-US" sz="1800" dirty="0"/>
+              <a:t>Using express.js in a node.js application (Part I)</a:t>
+            </a:r>
           </a:p>
         </p:txBody>
       </p:sp>
@@ -7141,7 +6727,7 @@
           <p:cNvPr id="4" name="Rectangle 3">
             <a:extLst>
               <a:ext uri="{FF2B5EF4-FFF2-40B4-BE49-F238E27FC236}">
-                <a16:creationId xmlns:a16="http://schemas.microsoft.com/office/drawing/2014/main" xmlns="" id="{0C71533A-4A29-47E2-A4D4-85E44356516A}"/>
+                <a16:creationId xmlns:a16="http://schemas.microsoft.com/office/drawing/2014/main" id="{0C71533A-4A29-47E2-A4D4-85E44356516A}"/>
               </a:ext>
             </a:extLst>
           </p:cNvPr>
@@ -7173,16 +6759,10 @@
               <a:rPr lang="en-US" sz="1600" dirty="0">
                 <a:hlinkClick r:id="rId2"/>
               </a:rPr>
-              <a:t>http://expressjs.com</a:t>
-            </a:r>
-            <a:r>
-              <a:rPr lang="en-US" sz="1600" dirty="0" smtClean="0">
-                <a:hlinkClick r:id="rId2"/>
-              </a:rPr>
-              <a:t>/</a:t>
-            </a:r>
-            <a:r>
-              <a:rPr lang="en-US" sz="1600" dirty="0" smtClean="0"/>
+              <a:t>http://expressjs.com/</a:t>
+            </a:r>
+            <a:r>
+              <a:rPr lang="en-US" sz="1600" dirty="0"/>
               <a:t> </a:t>
             </a:r>
             <a:endParaRPr lang="en-US" sz="1600" dirty="0">
@@ -7226,13 +6806,6 @@
   <p:clrMapOvr>
     <a:masterClrMapping/>
   </p:clrMapOvr>
-  <p:timing>
-    <p:tnLst>
-      <p:par>
-        <p:cTn id="1" dur="indefinite" restart="never" nodeType="tmRoot"/>
-      </p:par>
-    </p:tnLst>
-  </p:timing>
 </p:sld>
 </file>
 
@@ -7258,7 +6831,7 @@
           <p:cNvPr id="2" name="Title 1">
             <a:extLst>
               <a:ext uri="{FF2B5EF4-FFF2-40B4-BE49-F238E27FC236}">
-                <a16:creationId xmlns:a16="http://schemas.microsoft.com/office/drawing/2014/main" xmlns="" id="{BDFAC13C-59B1-436E-B58F-C304E1C705CF}"/>
+                <a16:creationId xmlns:a16="http://schemas.microsoft.com/office/drawing/2014/main" id="{BDFAC13C-59B1-436E-B58F-C304E1C705CF}"/>
               </a:ext>
             </a:extLst>
           </p:cNvPr>
@@ -7282,7 +6855,7 @@
           <a:lstStyle/>
           <a:p>
             <a:r>
-              <a:rPr lang="en-US" u="sng" dirty="0" smtClean="0"/>
+              <a:rPr lang="en-US" u="sng" dirty="0"/>
               <a:t>Routing</a:t>
             </a:r>
             <a:endParaRPr lang="en-US" sz="2000" u="sng" dirty="0"/>
@@ -7294,7 +6867,7 @@
           <p:cNvPr id="3" name="Content Placeholder 2">
             <a:extLst>
               <a:ext uri="{FF2B5EF4-FFF2-40B4-BE49-F238E27FC236}">
-                <a16:creationId xmlns:a16="http://schemas.microsoft.com/office/drawing/2014/main" xmlns="" id="{844A3DC5-46BF-4BFF-8008-98FD467C4904}"/>
+                <a16:creationId xmlns:a16="http://schemas.microsoft.com/office/drawing/2014/main" id="{844A3DC5-46BF-4BFF-8008-98FD467C4904}"/>
               </a:ext>
             </a:extLst>
           </p:cNvPr>
@@ -7319,48 +6892,11 @@
           <a:p>
             <a:r>
               <a:rPr lang="en-US" sz="1800" dirty="0"/>
-              <a:t>R</a:t>
-            </a:r>
-            <a:r>
-              <a:rPr lang="en-US" sz="1800" dirty="0" smtClean="0"/>
-              <a:t>outing methods specify a callback function (a.k.a. a "handler function"), which is called when the </a:t>
-            </a:r>
-            <a:r>
-              <a:rPr lang="en-US" sz="1800" dirty="0"/>
-              <a:t>application receives a request to the specified route (endpoint) and HTTP method. In </a:t>
-            </a:r>
-            <a:r>
-              <a:rPr lang="en-US" sz="1800" dirty="0" smtClean="0"/>
-              <a:t>other </a:t>
-            </a:r>
-            <a:r>
-              <a:rPr lang="en-US" sz="1800" dirty="0"/>
-              <a:t>words, the application </a:t>
-            </a:r>
-            <a:r>
-              <a:rPr lang="en-US" sz="1800" dirty="0" smtClean="0"/>
-              <a:t>"listens" </a:t>
-            </a:r>
-            <a:r>
-              <a:rPr lang="en-US" sz="1800" dirty="0"/>
-              <a:t>for requests that match the specified route(s) and </a:t>
-            </a:r>
-            <a:r>
-              <a:rPr lang="en-US" sz="1800" dirty="0" smtClean="0"/>
-              <a:t>method(s</a:t>
-            </a:r>
-            <a:r>
-              <a:rPr lang="en-US" sz="1800" dirty="0"/>
-              <a:t>), and when it detects a match, it calls the specified callback </a:t>
-            </a:r>
-            <a:r>
-              <a:rPr lang="en-US" sz="1800" dirty="0" smtClean="0"/>
-              <a:t>function</a:t>
-            </a:r>
+              <a:t>Routing methods specify a callback function (a.k.a. a "handler function"), which is called when the application receives a request to the specified route (endpoint) and HTTP method. In other words, the application "listens" for requests that match the specified route(s) and method(s), and when it detects a match, it calls the specified callback function</a:t>
+            </a:r>
+          </a:p>
+          <a:p>
             <a:endParaRPr lang="en-US" sz="1800" dirty="0"/>
-          </a:p>
-          <a:p>
-            <a:endParaRPr lang="en-US" sz="1800" dirty="0" smtClean="0"/>
           </a:p>
           <a:p>
             <a:pPr marL="0" indent="0">
@@ -7377,7 +6913,7 @@
           <p:cNvPr id="4" name="Rectangle 3">
             <a:extLst>
               <a:ext uri="{FF2B5EF4-FFF2-40B4-BE49-F238E27FC236}">
-                <a16:creationId xmlns:a16="http://schemas.microsoft.com/office/drawing/2014/main" xmlns="" id="{0C71533A-4A29-47E2-A4D4-85E44356516A}"/>
+                <a16:creationId xmlns:a16="http://schemas.microsoft.com/office/drawing/2014/main" id="{0C71533A-4A29-47E2-A4D4-85E44356516A}"/>
               </a:ext>
             </a:extLst>
           </p:cNvPr>
@@ -7400,7 +6936,7 @@
           <a:lstStyle/>
           <a:p>
             <a:r>
-              <a:rPr lang="en-US" sz="1600" b="1" dirty="0" smtClean="0"/>
+              <a:rPr lang="en-US" sz="1600" b="1" dirty="0"/>
               <a:t>Source</a:t>
             </a:r>
           </a:p>
@@ -7452,13 +6988,6 @@
   <p:clrMapOvr>
     <a:masterClrMapping/>
   </p:clrMapOvr>
-  <p:timing>
-    <p:tnLst>
-      <p:par>
-        <p:cTn id="1" dur="indefinite" restart="never" nodeType="tmRoot"/>
-      </p:par>
-    </p:tnLst>
-  </p:timing>
 </p:sld>
 </file>
 
@@ -7484,7 +7013,7 @@
           <p:cNvPr id="2" name="Title 1">
             <a:extLst>
               <a:ext uri="{FF2B5EF4-FFF2-40B4-BE49-F238E27FC236}">
-                <a16:creationId xmlns:a16="http://schemas.microsoft.com/office/drawing/2014/main" xmlns="" id="{BDFAC13C-59B1-436E-B58F-C304E1C705CF}"/>
+                <a16:creationId xmlns:a16="http://schemas.microsoft.com/office/drawing/2014/main" id="{BDFAC13C-59B1-436E-B58F-C304E1C705CF}"/>
               </a:ext>
             </a:extLst>
           </p:cNvPr>
@@ -7508,7 +7037,7 @@
           <a:lstStyle/>
           <a:p>
             <a:r>
-              <a:rPr lang="en-US" u="sng" dirty="0" smtClean="0"/>
+              <a:rPr lang="en-US" u="sng" dirty="0"/>
               <a:t>Routing</a:t>
             </a:r>
             <a:endParaRPr lang="en-US" sz="2000" u="sng" dirty="0"/>
@@ -7520,7 +7049,7 @@
           <p:cNvPr id="3" name="Content Placeholder 2">
             <a:extLst>
               <a:ext uri="{FF2B5EF4-FFF2-40B4-BE49-F238E27FC236}">
-                <a16:creationId xmlns:a16="http://schemas.microsoft.com/office/drawing/2014/main" xmlns="" id="{844A3DC5-46BF-4BFF-8008-98FD467C4904}"/>
+                <a16:creationId xmlns:a16="http://schemas.microsoft.com/office/drawing/2014/main" id="{844A3DC5-46BF-4BFF-8008-98FD467C4904}"/>
               </a:ext>
             </a:extLst>
           </p:cNvPr>
@@ -7544,30 +7073,9 @@
           <a:lstStyle/>
           <a:p>
             <a:r>
-              <a:rPr lang="en-US" sz="1800" dirty="0" smtClean="0"/>
-              <a:t>Routing </a:t>
-            </a:r>
-            <a:r>
               <a:rPr lang="en-US" sz="1800" dirty="0"/>
-              <a:t>methods can have more than one callback function as arguments. With multiple </a:t>
-            </a:r>
-            <a:r>
-              <a:rPr lang="en-US" sz="1800" dirty="0" smtClean="0"/>
-              <a:t>callback </a:t>
-            </a:r>
-            <a:r>
-              <a:rPr lang="en-US" sz="1800" dirty="0"/>
-              <a:t>functions, it is important to provide next as an argument to the callback function </a:t>
-            </a:r>
-            <a:r>
-              <a:rPr lang="en-US" sz="1800" dirty="0" smtClean="0"/>
-              <a:t>and </a:t>
-            </a:r>
-            <a:r>
-              <a:rPr lang="en-US" sz="1800" dirty="0"/>
-              <a:t>then call next() within the body of the function to hand off control to the next callback</a:t>
-            </a:r>
-            <a:endParaRPr lang="en-US" sz="1800" dirty="0" smtClean="0"/>
+              <a:t>Routing methods can have more than one callback function as arguments. With multiple callback functions, it is important to provide next as an argument to the callback function and then call next() within the body of the function to hand off control to the next callback</a:t>
+            </a:r>
           </a:p>
           <a:p>
             <a:pPr marL="0" indent="0">
@@ -7584,7 +7092,7 @@
           <p:cNvPr id="4" name="Rectangle 3">
             <a:extLst>
               <a:ext uri="{FF2B5EF4-FFF2-40B4-BE49-F238E27FC236}">
-                <a16:creationId xmlns:a16="http://schemas.microsoft.com/office/drawing/2014/main" xmlns="" id="{0C71533A-4A29-47E2-A4D4-85E44356516A}"/>
+                <a16:creationId xmlns:a16="http://schemas.microsoft.com/office/drawing/2014/main" id="{0C71533A-4A29-47E2-A4D4-85E44356516A}"/>
               </a:ext>
             </a:extLst>
           </p:cNvPr>
@@ -7607,7 +7115,7 @@
           <a:lstStyle/>
           <a:p>
             <a:r>
-              <a:rPr lang="en-US" sz="1600" b="1" dirty="0" smtClean="0"/>
+              <a:rPr lang="en-US" sz="1600" b="1" dirty="0"/>
               <a:t>Source</a:t>
             </a:r>
           </a:p>
@@ -7659,13 +7167,6 @@
   <p:clrMapOvr>
     <a:masterClrMapping/>
   </p:clrMapOvr>
-  <p:timing>
-    <p:tnLst>
-      <p:par>
-        <p:cTn id="1" dur="indefinite" restart="never" nodeType="tmRoot"/>
-      </p:par>
-    </p:tnLst>
-  </p:timing>
 </p:sld>
 </file>
 
@@ -7691,7 +7192,7 @@
           <p:cNvPr id="2" name="Title 1">
             <a:extLst>
               <a:ext uri="{FF2B5EF4-FFF2-40B4-BE49-F238E27FC236}">
-                <a16:creationId xmlns:a16="http://schemas.microsoft.com/office/drawing/2014/main" xmlns="" id="{BDFAC13C-59B1-436E-B58F-C304E1C705CF}"/>
+                <a16:creationId xmlns:a16="http://schemas.microsoft.com/office/drawing/2014/main" id="{BDFAC13C-59B1-436E-B58F-C304E1C705CF}"/>
               </a:ext>
             </a:extLst>
           </p:cNvPr>
@@ -7715,7 +7216,7 @@
           <a:lstStyle/>
           <a:p>
             <a:r>
-              <a:rPr lang="en-US" u="sng" dirty="0" smtClean="0"/>
+              <a:rPr lang="en-US" u="sng" dirty="0"/>
               <a:t>Routing</a:t>
             </a:r>
             <a:endParaRPr lang="en-US" sz="2000" u="sng" dirty="0"/>
@@ -7727,7 +7228,7 @@
           <p:cNvPr id="3" name="Content Placeholder 2">
             <a:extLst>
               <a:ext uri="{FF2B5EF4-FFF2-40B4-BE49-F238E27FC236}">
-                <a16:creationId xmlns:a16="http://schemas.microsoft.com/office/drawing/2014/main" xmlns="" id="{844A3DC5-46BF-4BFF-8008-98FD467C4904}"/>
+                <a16:creationId xmlns:a16="http://schemas.microsoft.com/office/drawing/2014/main" id="{844A3DC5-46BF-4BFF-8008-98FD467C4904}"/>
               </a:ext>
             </a:extLst>
           </p:cNvPr>
@@ -7752,48 +7253,14 @@
           <a:p>
             <a:r>
               <a:rPr lang="en-US" sz="1800" dirty="0"/>
-              <a:t>Route paths, in combination with a request method, define the endpoints at which requests </a:t>
-            </a:r>
-            <a:r>
-              <a:rPr lang="en-US" sz="1800" dirty="0" smtClean="0"/>
-              <a:t>can be </a:t>
-            </a:r>
+              <a:t>Route paths, in combination with a request method, define the endpoints at which requests can be made. Route paths can be strings, string patterns, or regular expressions</a:t>
+            </a:r>
+          </a:p>
+          <a:p>
             <a:r>
               <a:rPr lang="en-US" sz="1800" dirty="0"/>
-              <a:t>made. Route paths can be strings, string patterns, or regular </a:t>
-            </a:r>
-            <a:r>
-              <a:rPr lang="en-US" sz="1800" dirty="0" smtClean="0"/>
-              <a:t>expressions</a:t>
-            </a:r>
-            <a:endParaRPr lang="en-US" sz="1800" dirty="0"/>
-          </a:p>
-          <a:p>
-            <a:r>
-              <a:rPr lang="en-US" sz="1800" dirty="0"/>
-              <a:t>Route parameters are named URL segments that are used to capture the values specified at their </a:t>
-            </a:r>
-            <a:r>
-              <a:rPr lang="en-US" sz="1800" dirty="0" smtClean="0"/>
-              <a:t>position </a:t>
-            </a:r>
-            <a:r>
-              <a:rPr lang="en-US" sz="1800" dirty="0"/>
-              <a:t>in the URL. The captured values are populated in the req.params object, with the name </a:t>
-            </a:r>
-            <a:r>
-              <a:rPr lang="en-US" sz="1800" dirty="0" smtClean="0"/>
-              <a:t>of </a:t>
-            </a:r>
-            <a:r>
-              <a:rPr lang="en-US" sz="1800" dirty="0"/>
-              <a:t>the route parameter specified in the path as their respective </a:t>
-            </a:r>
-            <a:r>
-              <a:rPr lang="en-US" sz="1800" dirty="0" smtClean="0"/>
-              <a:t>keys</a:t>
-            </a:r>
-            <a:endParaRPr lang="en-US" sz="1800" dirty="0"/>
+              <a:t>Route parameters are named URL segments that are used to capture the values specified at their position in the URL. The captured values are populated in the req.params object, with the name of the route parameter specified in the path as their respective keys</a:t>
+            </a:r>
           </a:p>
           <a:p>
             <a:pPr marL="0" indent="0">
@@ -7810,7 +7277,7 @@
           <p:cNvPr id="4" name="Rectangle 3">
             <a:extLst>
               <a:ext uri="{FF2B5EF4-FFF2-40B4-BE49-F238E27FC236}">
-                <a16:creationId xmlns:a16="http://schemas.microsoft.com/office/drawing/2014/main" xmlns="" id="{0C71533A-4A29-47E2-A4D4-85E44356516A}"/>
+                <a16:creationId xmlns:a16="http://schemas.microsoft.com/office/drawing/2014/main" id="{0C71533A-4A29-47E2-A4D4-85E44356516A}"/>
               </a:ext>
             </a:extLst>
           </p:cNvPr>
@@ -7833,7 +7300,7 @@
           <a:lstStyle/>
           <a:p>
             <a:r>
-              <a:rPr lang="en-US" sz="1600" b="1" dirty="0" smtClean="0"/>
+              <a:rPr lang="en-US" sz="1600" b="1" dirty="0"/>
               <a:t>Source</a:t>
             </a:r>
           </a:p>
@@ -7885,13 +7352,6 @@
   <p:clrMapOvr>
     <a:masterClrMapping/>
   </p:clrMapOvr>
-  <p:timing>
-    <p:tnLst>
-      <p:par>
-        <p:cTn id="1" dur="indefinite" restart="never" nodeType="tmRoot"/>
-      </p:par>
-    </p:tnLst>
-  </p:timing>
 </p:sld>
 </file>
 
@@ -7917,7 +7377,7 @@
           <p:cNvPr id="2" name="Title 1">
             <a:extLst>
               <a:ext uri="{FF2B5EF4-FFF2-40B4-BE49-F238E27FC236}">
-                <a16:creationId xmlns:a16="http://schemas.microsoft.com/office/drawing/2014/main" xmlns="" id="{BDFAC13C-59B1-436E-B58F-C304E1C705CF}"/>
+                <a16:creationId xmlns:a16="http://schemas.microsoft.com/office/drawing/2014/main" id="{BDFAC13C-59B1-436E-B58F-C304E1C705CF}"/>
               </a:ext>
             </a:extLst>
           </p:cNvPr>
@@ -7941,7 +7401,7 @@
           <a:lstStyle/>
           <a:p>
             <a:r>
-              <a:rPr lang="en-US" u="sng" dirty="0" smtClean="0"/>
+              <a:rPr lang="en-US" u="sng" dirty="0"/>
               <a:t>Routing</a:t>
             </a:r>
             <a:endParaRPr lang="en-US" sz="2000" u="sng" dirty="0"/>
@@ -7953,7 +7413,7 @@
           <p:cNvPr id="3" name="Content Placeholder 2">
             <a:extLst>
               <a:ext uri="{FF2B5EF4-FFF2-40B4-BE49-F238E27FC236}">
-                <a16:creationId xmlns:a16="http://schemas.microsoft.com/office/drawing/2014/main" xmlns="" id="{844A3DC5-46BF-4BFF-8008-98FD467C4904}"/>
+                <a16:creationId xmlns:a16="http://schemas.microsoft.com/office/drawing/2014/main" id="{844A3DC5-46BF-4BFF-8008-98FD467C4904}"/>
               </a:ext>
             </a:extLst>
           </p:cNvPr>
@@ -7978,32 +7438,12 @@
           <a:p>
             <a:r>
               <a:rPr lang="en-US" sz="1800" dirty="0"/>
-              <a:t>The methods on the response object (res) in the following table can send a response to the </a:t>
-            </a:r>
-            <a:r>
-              <a:rPr lang="en-US" sz="1800" dirty="0" smtClean="0"/>
-              <a:t>client</a:t>
-            </a:r>
+              <a:t>The methods on the response object (res) in the following table can send a response to the client, and terminate the request-response cycle. If none of these methods are called from a route handler, the client request will be left hanging</a:t>
+            </a:r>
+          </a:p>
+          <a:p>
             <a:r>
               <a:rPr lang="en-US" sz="1800" dirty="0"/>
-              <a:t>, and terminate the request-response cycle. If none of these methods are called from a </a:t>
-            </a:r>
-            <a:r>
-              <a:rPr lang="en-US" sz="1800" dirty="0" smtClean="0"/>
-              <a:t>route </a:t>
-            </a:r>
-            <a:r>
-              <a:rPr lang="en-US" sz="1800" dirty="0"/>
-              <a:t>handler, the client request will be left </a:t>
-            </a:r>
-            <a:r>
-              <a:rPr lang="en-US" sz="1800" dirty="0" smtClean="0"/>
-              <a:t>hanging</a:t>
-            </a:r>
-          </a:p>
-          <a:p>
-            <a:r>
-              <a:rPr lang="en-US" sz="1800" dirty="0" smtClean="0"/>
               <a:t>See the chart on the next page for the associated methods and descriptions</a:t>
             </a:r>
           </a:p>
@@ -8014,7 +7454,7 @@
           <p:cNvPr id="4" name="Rectangle 3">
             <a:extLst>
               <a:ext uri="{FF2B5EF4-FFF2-40B4-BE49-F238E27FC236}">
-                <a16:creationId xmlns:a16="http://schemas.microsoft.com/office/drawing/2014/main" xmlns="" id="{0C71533A-4A29-47E2-A4D4-85E44356516A}"/>
+                <a16:creationId xmlns:a16="http://schemas.microsoft.com/office/drawing/2014/main" id="{0C71533A-4A29-47E2-A4D4-85E44356516A}"/>
               </a:ext>
             </a:extLst>
           </p:cNvPr>
@@ -8037,7 +7477,7 @@
           <a:lstStyle/>
           <a:p>
             <a:r>
-              <a:rPr lang="en-US" sz="1600" b="1" dirty="0" smtClean="0"/>
+              <a:rPr lang="en-US" sz="1600" b="1" dirty="0"/>
               <a:t>Source</a:t>
             </a:r>
           </a:p>
@@ -8089,13 +7529,6 @@
   <p:clrMapOvr>
     <a:masterClrMapping/>
   </p:clrMapOvr>
-  <p:timing>
-    <p:tnLst>
-      <p:par>
-        <p:cTn id="1" dur="indefinite" restart="never" nodeType="tmRoot"/>
-      </p:par>
-    </p:tnLst>
-  </p:timing>
 </p:sld>
 </file>
 
@@ -8121,7 +7554,7 @@
           <p:cNvPr id="2" name="Title 1">
             <a:extLst>
               <a:ext uri="{FF2B5EF4-FFF2-40B4-BE49-F238E27FC236}">
-                <a16:creationId xmlns:a16="http://schemas.microsoft.com/office/drawing/2014/main" xmlns="" id="{BDFAC13C-59B1-436E-B58F-C304E1C705CF}"/>
+                <a16:creationId xmlns:a16="http://schemas.microsoft.com/office/drawing/2014/main" id="{BDFAC13C-59B1-436E-B58F-C304E1C705CF}"/>
               </a:ext>
             </a:extLst>
           </p:cNvPr>
@@ -8145,7 +7578,7 @@
           <a:lstStyle/>
           <a:p>
             <a:r>
-              <a:rPr lang="en-US" u="sng" dirty="0" smtClean="0"/>
+              <a:rPr lang="en-US" u="sng" dirty="0"/>
               <a:t>Routing</a:t>
             </a:r>
             <a:endParaRPr lang="en-US" sz="2000" u="sng" dirty="0"/>
@@ -8157,7 +7590,7 @@
           <p:cNvPr id="3" name="Content Placeholder 2">
             <a:extLst>
               <a:ext uri="{FF2B5EF4-FFF2-40B4-BE49-F238E27FC236}">
-                <a16:creationId xmlns:a16="http://schemas.microsoft.com/office/drawing/2014/main" xmlns="" id="{844A3DC5-46BF-4BFF-8008-98FD467C4904}"/>
+                <a16:creationId xmlns:a16="http://schemas.microsoft.com/office/drawing/2014/main" id="{844A3DC5-46BF-4BFF-8008-98FD467C4904}"/>
               </a:ext>
             </a:extLst>
           </p:cNvPr>
@@ -8182,13 +7615,8 @@
           <a:p>
             <a:r>
               <a:rPr lang="en-US" sz="1800" b="1" u="sng" dirty="0"/>
-              <a:t>Method	</a:t>
-            </a:r>
-            <a:r>
-              <a:rPr lang="en-US" sz="1800" b="1" u="sng" dirty="0" smtClean="0"/>
-              <a:t>		Description			</a:t>
-            </a:r>
-            <a:endParaRPr lang="en-US" sz="1800" b="1" u="sng" dirty="0"/>
+              <a:t>Method			Description			</a:t>
+            </a:r>
           </a:p>
           <a:p>
             <a:pPr marL="174625" indent="0">
@@ -8196,21 +7624,17 @@
             </a:pPr>
             <a:r>
               <a:rPr lang="en-US" sz="1800" dirty="0"/>
-              <a:t>res.download()	</a:t>
-            </a:r>
-            <a:r>
-              <a:rPr lang="en-US" sz="1800" dirty="0" smtClean="0"/>
-              <a:t>Prompt for </a:t>
-            </a:r>
+              <a:t>res.download()	Prompt for a file to be downloaded</a:t>
+            </a:r>
+          </a:p>
+          <a:p>
+            <a:pPr marL="174625" indent="0">
+              <a:buNone/>
+            </a:pPr>
             <a:r>
               <a:rPr lang="en-US" sz="1800" dirty="0"/>
-              <a:t>a file to be </a:t>
-            </a:r>
-            <a:r>
-              <a:rPr lang="en-US" sz="1800" dirty="0" smtClean="0"/>
-              <a:t>downloaded</a:t>
-            </a:r>
-            <a:endParaRPr lang="en-US" sz="1800" dirty="0"/>
+              <a:t>res.end()		End the response process</a:t>
+            </a:r>
           </a:p>
           <a:p>
             <a:pPr marL="174625" indent="0">
@@ -8218,21 +7642,17 @@
             </a:pPr>
             <a:r>
               <a:rPr lang="en-US" sz="1800" dirty="0"/>
-              <a:t>res.end()	</a:t>
-            </a:r>
-            <a:r>
-              <a:rPr lang="en-US" sz="1800" dirty="0" smtClean="0"/>
-              <a:t>	End </a:t>
-            </a:r>
+              <a:t>res.json()		Send a JSON response</a:t>
+            </a:r>
+          </a:p>
+          <a:p>
+            <a:pPr marL="174625" indent="0">
+              <a:buNone/>
+            </a:pPr>
             <a:r>
               <a:rPr lang="en-US" sz="1800" dirty="0"/>
-              <a:t>the response </a:t>
-            </a:r>
-            <a:r>
-              <a:rPr lang="en-US" sz="1800" dirty="0" smtClean="0"/>
-              <a:t>process</a:t>
-            </a:r>
-            <a:endParaRPr lang="en-US" sz="1800" dirty="0"/>
+              <a:t>res.jsonp()		Send a JSON response with JSONP support</a:t>
+            </a:r>
           </a:p>
           <a:p>
             <a:pPr marL="174625" indent="0">
@@ -8240,53 +7660,7 @@
             </a:pPr>
             <a:r>
               <a:rPr lang="en-US" sz="1800" dirty="0"/>
-              <a:t>res.json()	</a:t>
-            </a:r>
-            <a:r>
-              <a:rPr lang="en-US" sz="1800" dirty="0" smtClean="0"/>
-              <a:t>	Send </a:t>
-            </a:r>
-            <a:r>
-              <a:rPr lang="en-US" sz="1800" dirty="0"/>
-              <a:t>a JSON </a:t>
-            </a:r>
-            <a:r>
-              <a:rPr lang="en-US" sz="1800" dirty="0" smtClean="0"/>
-              <a:t>response</a:t>
-            </a:r>
-          </a:p>
-          <a:p>
-            <a:pPr marL="174625" indent="0">
-              <a:buNone/>
-            </a:pPr>
-            <a:r>
-              <a:rPr lang="en-US" sz="1800" dirty="0" smtClean="0"/>
-              <a:t>res.jsonp()		Send a JSON response with JSONP support</a:t>
-            </a:r>
-          </a:p>
-          <a:p>
-            <a:pPr marL="174625" indent="0">
-              <a:buNone/>
-            </a:pPr>
-            <a:r>
-              <a:rPr lang="en-US" sz="1800" dirty="0" smtClean="0"/>
-              <a:t>res.redirect</a:t>
-            </a:r>
-            <a:r>
-              <a:rPr lang="en-US" sz="1800" dirty="0"/>
-              <a:t>()	</a:t>
-            </a:r>
-            <a:r>
-              <a:rPr lang="en-US" sz="1800" dirty="0" smtClean="0"/>
-              <a:t>	Redirect </a:t>
-            </a:r>
-            <a:r>
-              <a:rPr lang="en-US" sz="1800" dirty="0"/>
-              <a:t>a </a:t>
-            </a:r>
-            <a:r>
-              <a:rPr lang="en-US" sz="1800" dirty="0" smtClean="0"/>
-              <a:t>request</a:t>
+              <a:t>res.redirect()		Redirect a request</a:t>
             </a:r>
           </a:p>
         </p:txBody>
@@ -8296,7 +7670,7 @@
           <p:cNvPr id="4" name="Rectangle 3">
             <a:extLst>
               <a:ext uri="{FF2B5EF4-FFF2-40B4-BE49-F238E27FC236}">
-                <a16:creationId xmlns:a16="http://schemas.microsoft.com/office/drawing/2014/main" xmlns="" id="{0C71533A-4A29-47E2-A4D4-85E44356516A}"/>
+                <a16:creationId xmlns:a16="http://schemas.microsoft.com/office/drawing/2014/main" id="{0C71533A-4A29-47E2-A4D4-85E44356516A}"/>
               </a:ext>
             </a:extLst>
           </p:cNvPr>
@@ -8319,7 +7693,7 @@
           <a:lstStyle/>
           <a:p>
             <a:r>
-              <a:rPr lang="en-US" sz="1600" b="1" dirty="0" smtClean="0"/>
+              <a:rPr lang="en-US" sz="1600" b="1" dirty="0"/>
               <a:t>Source</a:t>
             </a:r>
           </a:p>
@@ -8371,13 +7745,6 @@
   <p:clrMapOvr>
     <a:masterClrMapping/>
   </p:clrMapOvr>
-  <p:timing>
-    <p:tnLst>
-      <p:par>
-        <p:cTn id="1" dur="indefinite" restart="never" nodeType="tmRoot"/>
-      </p:par>
-    </p:tnLst>
-  </p:timing>
 </p:sld>
 </file>
 
@@ -8403,7 +7770,7 @@
           <p:cNvPr id="2" name="Title 1">
             <a:extLst>
               <a:ext uri="{FF2B5EF4-FFF2-40B4-BE49-F238E27FC236}">
-                <a16:creationId xmlns:a16="http://schemas.microsoft.com/office/drawing/2014/main" xmlns="" id="{BDFAC13C-59B1-436E-B58F-C304E1C705CF}"/>
+                <a16:creationId xmlns:a16="http://schemas.microsoft.com/office/drawing/2014/main" id="{BDFAC13C-59B1-436E-B58F-C304E1C705CF}"/>
               </a:ext>
             </a:extLst>
           </p:cNvPr>
@@ -8427,7 +7794,7 @@
           <a:lstStyle/>
           <a:p>
             <a:r>
-              <a:rPr lang="en-US" u="sng" dirty="0" smtClean="0"/>
+              <a:rPr lang="en-US" u="sng" dirty="0"/>
               <a:t>Routing</a:t>
             </a:r>
             <a:endParaRPr lang="en-US" sz="2000" u="sng" dirty="0"/>
@@ -8439,7 +7806,7 @@
           <p:cNvPr id="3" name="Content Placeholder 2">
             <a:extLst>
               <a:ext uri="{FF2B5EF4-FFF2-40B4-BE49-F238E27FC236}">
-                <a16:creationId xmlns:a16="http://schemas.microsoft.com/office/drawing/2014/main" xmlns="" id="{844A3DC5-46BF-4BFF-8008-98FD467C4904}"/>
+                <a16:creationId xmlns:a16="http://schemas.microsoft.com/office/drawing/2014/main" id="{844A3DC5-46BF-4BFF-8008-98FD467C4904}"/>
               </a:ext>
             </a:extLst>
           </p:cNvPr>
@@ -8464,11 +7831,7 @@
           <a:p>
             <a:r>
               <a:rPr lang="en-US" sz="1800" b="1" u="sng" dirty="0"/>
-              <a:t>Method	</a:t>
-            </a:r>
-            <a:r>
-              <a:rPr lang="en-US" sz="1800" b="1" u="sng" dirty="0" smtClean="0"/>
-              <a:t>		Description			</a:t>
+              <a:t>Method			Description			</a:t>
             </a:r>
           </a:p>
           <a:p>
@@ -8476,26 +7839,18 @@
               <a:buNone/>
             </a:pPr>
             <a:r>
-              <a:rPr lang="en-US" sz="1800" dirty="0" smtClean="0"/>
-              <a:t>res.render</a:t>
-            </a:r>
-            <a:r>
               <a:rPr lang="en-US" sz="1800" dirty="0"/>
-              <a:t>()	</a:t>
-            </a:r>
-            <a:r>
-              <a:rPr lang="en-US" sz="1800" dirty="0" smtClean="0"/>
-              <a:t>	Render </a:t>
-            </a:r>
+              <a:t>res.render()		Render a view template</a:t>
+            </a:r>
+          </a:p>
+          <a:p>
+            <a:pPr marL="174625" indent="0">
+              <a:buNone/>
+            </a:pPr>
             <a:r>
               <a:rPr lang="en-US" sz="1800" dirty="0"/>
-              <a:t>a view </a:t>
-            </a:r>
-            <a:r>
-              <a:rPr lang="en-US" sz="1800" dirty="0" smtClean="0"/>
-              <a:t>template</a:t>
-            </a:r>
-            <a:endParaRPr lang="en-US" sz="1800" dirty="0"/>
+              <a:t>res.send()		Send a response of various types</a:t>
+            </a:r>
           </a:p>
           <a:p>
             <a:pPr marL="174625" indent="0">
@@ -8503,59 +7858,16 @@
             </a:pPr>
             <a:r>
               <a:rPr lang="en-US" sz="1800" dirty="0"/>
-              <a:t>res.send()	</a:t>
-            </a:r>
-            <a:r>
-              <a:rPr lang="en-US" sz="1800" dirty="0" smtClean="0"/>
-              <a:t>	Send </a:t>
-            </a:r>
+              <a:t>res.sendFile()		Send a file as an octet stream</a:t>
+            </a:r>
+          </a:p>
+          <a:p>
+            <a:pPr marL="174625" indent="0">
+              <a:buNone/>
+            </a:pPr>
             <a:r>
               <a:rPr lang="en-US" sz="1800" dirty="0"/>
-              <a:t>a response of various </a:t>
-            </a:r>
-            <a:r>
-              <a:rPr lang="en-US" sz="1800" dirty="0" smtClean="0"/>
-              <a:t>types</a:t>
-            </a:r>
-            <a:endParaRPr lang="en-US" sz="1800" dirty="0"/>
-          </a:p>
-          <a:p>
-            <a:pPr marL="174625" indent="0">
-              <a:buNone/>
-            </a:pPr>
-            <a:r>
-              <a:rPr lang="en-US" sz="1800" dirty="0"/>
-              <a:t>res.sendFile()	</a:t>
-            </a:r>
-            <a:r>
-              <a:rPr lang="en-US" sz="1800" dirty="0" smtClean="0"/>
-              <a:t>	Send </a:t>
-            </a:r>
-            <a:r>
-              <a:rPr lang="en-US" sz="1800" dirty="0"/>
-              <a:t>a file as an octet </a:t>
-            </a:r>
-            <a:r>
-              <a:rPr lang="en-US" sz="1800" dirty="0" smtClean="0"/>
-              <a:t>stream</a:t>
-            </a:r>
-            <a:endParaRPr lang="en-US" sz="1800" dirty="0"/>
-          </a:p>
-          <a:p>
-            <a:pPr marL="174625" indent="0">
-              <a:buNone/>
-            </a:pPr>
-            <a:r>
-              <a:rPr lang="en-US" sz="1800" dirty="0"/>
-              <a:t>res.sendStatus()	Set the response status code and send its </a:t>
-            </a:r>
-            <a:r>
-              <a:rPr lang="en-US" sz="1800" dirty="0" smtClean="0"/>
-              <a:t>string					representation as </a:t>
-            </a:r>
-            <a:r>
-              <a:rPr lang="en-US" sz="1800" dirty="0"/>
-              <a:t>the response body.</a:t>
+              <a:t>res.sendStatus()	Set the response status code and send its string					representation as the response body.</a:t>
             </a:r>
           </a:p>
           <a:p>
@@ -8566,7 +7878,6 @@
               <a:rPr lang="en-US" sz="1800" dirty="0"/>
               <a:t>app.route()</a:t>
             </a:r>
-            <a:endParaRPr lang="en-US" sz="1800" dirty="0" smtClean="0"/>
           </a:p>
         </p:txBody>
       </p:sp>
@@ -8575,7 +7886,7 @@
           <p:cNvPr id="4" name="Rectangle 3">
             <a:extLst>
               <a:ext uri="{FF2B5EF4-FFF2-40B4-BE49-F238E27FC236}">
-                <a16:creationId xmlns:a16="http://schemas.microsoft.com/office/drawing/2014/main" xmlns="" id="{0C71533A-4A29-47E2-A4D4-85E44356516A}"/>
+                <a16:creationId xmlns:a16="http://schemas.microsoft.com/office/drawing/2014/main" id="{0C71533A-4A29-47E2-A4D4-85E44356516A}"/>
               </a:ext>
             </a:extLst>
           </p:cNvPr>
@@ -8598,7 +7909,7 @@
           <a:lstStyle/>
           <a:p>
             <a:r>
-              <a:rPr lang="en-US" sz="1600" b="1" dirty="0" smtClean="0"/>
+              <a:rPr lang="en-US" sz="1600" b="1" dirty="0"/>
               <a:t>Source</a:t>
             </a:r>
           </a:p>
@@ -8650,13 +7961,6 @@
   <p:clrMapOvr>
     <a:masterClrMapping/>
   </p:clrMapOvr>
-  <p:timing>
-    <p:tnLst>
-      <p:par>
-        <p:cTn id="1" dur="indefinite" restart="never" nodeType="tmRoot"/>
-      </p:par>
-    </p:tnLst>
-  </p:timing>
 </p:sld>
 </file>
 
@@ -8682,7 +7986,7 @@
           <p:cNvPr id="2" name="Title 1">
             <a:extLst>
               <a:ext uri="{FF2B5EF4-FFF2-40B4-BE49-F238E27FC236}">
-                <a16:creationId xmlns:a16="http://schemas.microsoft.com/office/drawing/2014/main" xmlns="" id="{BDFAC13C-59B1-436E-B58F-C304E1C705CF}"/>
+                <a16:creationId xmlns:a16="http://schemas.microsoft.com/office/drawing/2014/main" id="{BDFAC13C-59B1-436E-B58F-C304E1C705CF}"/>
               </a:ext>
             </a:extLst>
           </p:cNvPr>
@@ -8718,7 +8022,7 @@
           <p:cNvPr id="3" name="Content Placeholder 2">
             <a:extLst>
               <a:ext uri="{FF2B5EF4-FFF2-40B4-BE49-F238E27FC236}">
-                <a16:creationId xmlns:a16="http://schemas.microsoft.com/office/drawing/2014/main" xmlns="" id="{844A3DC5-46BF-4BFF-8008-98FD467C4904}"/>
+                <a16:creationId xmlns:a16="http://schemas.microsoft.com/office/drawing/2014/main" id="{844A3DC5-46BF-4BFF-8008-98FD467C4904}"/>
               </a:ext>
             </a:extLst>
           </p:cNvPr>
@@ -8743,46 +8047,22 @@
           <a:p>
             <a:r>
               <a:rPr lang="en-US" sz="1800" dirty="0"/>
-              <a:t>The express.Router class is used to create modular, mountable route handlers. A Router instance is a complete middleware and routing system; for this reason, it is often referred to as a </a:t>
-            </a:r>
-            <a:r>
-              <a:rPr lang="en-US" sz="1800" dirty="0" smtClean="0"/>
-              <a:t>"mini-app"</a:t>
+              <a:t>The express.Router class is used to create modular, mountable route handlers. A Router instance is a complete middleware and routing system; for this reason, it is often referred to as a "mini-app"</a:t>
             </a:r>
           </a:p>
           <a:p>
             <a:r>
               <a:rPr lang="en-US" sz="1800" dirty="0"/>
-              <a:t>The following example creates </a:t>
-            </a:r>
-            <a:r>
-              <a:rPr lang="en-US" sz="1800" dirty="0" smtClean="0"/>
-              <a:t>myRouter.js, a </a:t>
-            </a:r>
+              <a:t>The following example creates myRouter.js, a router as a module.  It loads a middleware function in it, defines some routes, and mounts the router module on a path in the main app</a:t>
+            </a:r>
+          </a:p>
+          <a:p>
             <a:r>
               <a:rPr lang="en-US" sz="1800" dirty="0"/>
-              <a:t>router as a </a:t>
-            </a:r>
-            <a:r>
-              <a:rPr lang="en-US" sz="1800" dirty="0" smtClean="0"/>
-              <a:t>module.  It </a:t>
-            </a:r>
-            <a:r>
-              <a:rPr lang="en-US" sz="1800" dirty="0"/>
-              <a:t>loads a middleware function in it, defines some routes, and mounts the router module on a path in the main </a:t>
-            </a:r>
-            <a:r>
-              <a:rPr lang="en-US" sz="1800" dirty="0" smtClean="0"/>
-              <a:t>app</a:t>
-            </a:r>
-          </a:p>
-          <a:p>
-            <a:r>
-              <a:rPr lang="en-US" sz="1800" dirty="0" smtClean="0"/>
               <a:t>NOTE: </a:t>
             </a:r>
             <a:r>
-              <a:rPr lang="en-US" sz="1800" b="1" dirty="0" smtClean="0"/>
+              <a:rPr lang="en-US" sz="1800" b="1" dirty="0"/>
               <a:t>This is a simple example that should be updated as we get further along in the class</a:t>
             </a:r>
           </a:p>
@@ -8793,7 +8073,7 @@
           <p:cNvPr id="4" name="Rectangle 3">
             <a:extLst>
               <a:ext uri="{FF2B5EF4-FFF2-40B4-BE49-F238E27FC236}">
-                <a16:creationId xmlns:a16="http://schemas.microsoft.com/office/drawing/2014/main" xmlns="" id="{0C71533A-4A29-47E2-A4D4-85E44356516A}"/>
+                <a16:creationId xmlns:a16="http://schemas.microsoft.com/office/drawing/2014/main" id="{0C71533A-4A29-47E2-A4D4-85E44356516A}"/>
               </a:ext>
             </a:extLst>
           </p:cNvPr>
@@ -8816,7 +8096,7 @@
           <a:lstStyle/>
           <a:p>
             <a:r>
-              <a:rPr lang="en-US" sz="1600" b="1" dirty="0" smtClean="0"/>
+              <a:rPr lang="en-US" sz="1600" b="1" dirty="0"/>
               <a:t>Source</a:t>
             </a:r>
           </a:p>
@@ -8868,13 +8148,6 @@
   <p:clrMapOvr>
     <a:masterClrMapping/>
   </p:clrMapOvr>
-  <p:timing>
-    <p:tnLst>
-      <p:par>
-        <p:cTn id="1" dur="indefinite" restart="never" nodeType="tmRoot"/>
-      </p:par>
-    </p:tnLst>
-  </p:timing>
 </p:sld>
 </file>
 
@@ -8900,7 +8173,7 @@
           <p:cNvPr id="2" name="Title 1">
             <a:extLst>
               <a:ext uri="{FF2B5EF4-FFF2-40B4-BE49-F238E27FC236}">
-                <a16:creationId xmlns:a16="http://schemas.microsoft.com/office/drawing/2014/main" xmlns="" id="{BDFAC13C-59B1-436E-B58F-C304E1C705CF}"/>
+                <a16:creationId xmlns:a16="http://schemas.microsoft.com/office/drawing/2014/main" id="{BDFAC13C-59B1-436E-B58F-C304E1C705CF}"/>
               </a:ext>
             </a:extLst>
           </p:cNvPr>
@@ -8924,14 +8197,13 @@
           <a:lstStyle/>
           <a:p>
             <a:r>
-              <a:rPr lang="en-US" u="sng" dirty="0" smtClean="0"/>
+              <a:rPr lang="en-US" u="sng" dirty="0"/>
               <a:t>express.Router Example </a:t>
             </a:r>
             <a:r>
-              <a:rPr lang="en-US" sz="2000" u="sng" dirty="0" smtClean="0"/>
+              <a:rPr lang="en-US" sz="2000" u="sng" dirty="0"/>
               <a:t>(myRouter.js)</a:t>
             </a:r>
-            <a:endParaRPr lang="en-US" sz="2000" u="sng" dirty="0"/>
           </a:p>
         </p:txBody>
       </p:sp>
@@ -8940,7 +8212,7 @@
           <p:cNvPr id="3" name="Content Placeholder 2">
             <a:extLst>
               <a:ext uri="{FF2B5EF4-FFF2-40B4-BE49-F238E27FC236}">
-                <a16:creationId xmlns:a16="http://schemas.microsoft.com/office/drawing/2014/main" xmlns="" id="{844A3DC5-46BF-4BFF-8008-98FD467C4904}"/>
+                <a16:creationId xmlns:a16="http://schemas.microsoft.com/office/drawing/2014/main" id="{844A3DC5-46BF-4BFF-8008-98FD467C4904}"/>
               </a:ext>
             </a:extLst>
           </p:cNvPr>
@@ -8970,30 +8242,18 @@
               <a:rPr lang="en-US" sz="1600" dirty="0">
                 <a:latin typeface="Consolas" panose="020B0609020204030204" pitchFamily="49" charset="0"/>
               </a:rPr>
-              <a:t>var express = require('express</a:t>
-            </a:r>
-            <a:r>
-              <a:rPr lang="en-US" sz="1600" dirty="0" smtClean="0">
-                <a:latin typeface="Consolas" panose="020B0609020204030204" pitchFamily="49" charset="0"/>
-              </a:rPr>
-              <a:t>');</a:t>
+              <a:t>var express = require('express');</a:t>
             </a:r>
           </a:p>
           <a:p>
             <a:pPr marL="228600" indent="0">
               <a:buNone/>
             </a:pPr>
-            <a:r>
-              <a:rPr lang="en-US" sz="1600" dirty="0" smtClean="0">
-                <a:latin typeface="Consolas" panose="020B0609020204030204" pitchFamily="49" charset="0"/>
-              </a:rPr>
-              <a:t>var</a:t>
-            </a:r>
             <a:r>
               <a:rPr lang="en-US" sz="1600" dirty="0">
                 <a:latin typeface="Consolas" panose="020B0609020204030204" pitchFamily="49" charset="0"/>
               </a:rPr>
-              <a:t> router = express.Router();</a:t>
+              <a:t>var router = express.Router();</a:t>
             </a:r>
           </a:p>
           <a:p>
@@ -9009,16 +8269,10 @@
               <a:buNone/>
             </a:pPr>
             <a:r>
-              <a:rPr lang="en-US" sz="1600" dirty="0" smtClean="0">
-                <a:latin typeface="Consolas" panose="020B0609020204030204" pitchFamily="49" charset="0"/>
-              </a:rPr>
-              <a:t>//</a:t>
-            </a:r>
-            <a:r>
               <a:rPr lang="en-US" sz="1600" dirty="0">
                 <a:latin typeface="Consolas" panose="020B0609020204030204" pitchFamily="49" charset="0"/>
               </a:rPr>
-              <a:t> define the home page route</a:t>
+              <a:t>// define the home page route</a:t>
             </a:r>
           </a:p>
           <a:p>
@@ -9037,16 +8291,10 @@
               <a:buNone/>
             </a:pPr>
             <a:r>
-              <a:rPr lang="en-US" sz="1600" dirty="0" smtClean="0">
-                <a:latin typeface="Consolas" panose="020B0609020204030204" pitchFamily="49" charset="0"/>
-              </a:rPr>
-              <a:t>res.send</a:t>
-            </a:r>
-            <a:r>
               <a:rPr lang="en-US" sz="1600" dirty="0">
                 <a:latin typeface="Consolas" panose="020B0609020204030204" pitchFamily="49" charset="0"/>
               </a:rPr>
-              <a:t>('index.html');</a:t>
+              <a:t>res.send('index.html');</a:t>
             </a:r>
           </a:p>
           <a:p>
@@ -9070,7 +8318,7 @@
             <a:pPr marL="0" indent="0">
               <a:buNone/>
             </a:pPr>
-            <a:endParaRPr lang="en-US" sz="1800" dirty="0" smtClean="0"/>
+            <a:endParaRPr lang="en-US" sz="1800" dirty="0"/>
           </a:p>
         </p:txBody>
       </p:sp>
@@ -9079,7 +8327,7 @@
           <p:cNvPr id="4" name="Rectangle 3">
             <a:extLst>
               <a:ext uri="{FF2B5EF4-FFF2-40B4-BE49-F238E27FC236}">
-                <a16:creationId xmlns:a16="http://schemas.microsoft.com/office/drawing/2014/main" xmlns="" id="{0C71533A-4A29-47E2-A4D4-85E44356516A}"/>
+                <a16:creationId xmlns:a16="http://schemas.microsoft.com/office/drawing/2014/main" id="{0C71533A-4A29-47E2-A4D4-85E44356516A}"/>
               </a:ext>
             </a:extLst>
           </p:cNvPr>
@@ -9102,7 +8350,7 @@
           <a:lstStyle/>
           <a:p>
             <a:r>
-              <a:rPr lang="en-US" sz="1600" b="1" dirty="0" smtClean="0"/>
+              <a:rPr lang="en-US" sz="1600" b="1" dirty="0"/>
               <a:t>Source</a:t>
             </a:r>
           </a:p>
@@ -9154,13 +8402,6 @@
   <p:clrMapOvr>
     <a:masterClrMapping/>
   </p:clrMapOvr>
-  <p:timing>
-    <p:tnLst>
-      <p:par>
-        <p:cTn id="1" dur="indefinite" restart="never" nodeType="tmRoot"/>
-      </p:par>
-    </p:tnLst>
-  </p:timing>
 </p:sld>
 </file>
 
@@ -9186,7 +8427,7 @@
           <p:cNvPr id="2" name="Title 1">
             <a:extLst>
               <a:ext uri="{FF2B5EF4-FFF2-40B4-BE49-F238E27FC236}">
-                <a16:creationId xmlns:a16="http://schemas.microsoft.com/office/drawing/2014/main" xmlns="" id="{BDFAC13C-59B1-436E-B58F-C304E1C705CF}"/>
+                <a16:creationId xmlns:a16="http://schemas.microsoft.com/office/drawing/2014/main" id="{BDFAC13C-59B1-436E-B58F-C304E1C705CF}"/>
               </a:ext>
             </a:extLst>
           </p:cNvPr>
@@ -9210,14 +8451,13 @@
           <a:lstStyle/>
           <a:p>
             <a:r>
-              <a:rPr lang="en-US" u="sng" dirty="0" smtClean="0"/>
+              <a:rPr lang="en-US" u="sng" dirty="0"/>
               <a:t>express.Router Example </a:t>
             </a:r>
             <a:r>
-              <a:rPr lang="en-US" sz="2000" u="sng" dirty="0" smtClean="0"/>
+              <a:rPr lang="en-US" sz="2000" u="sng" dirty="0"/>
               <a:t>(myRouter.js)</a:t>
             </a:r>
-            <a:endParaRPr lang="en-US" sz="2000" u="sng" dirty="0"/>
           </a:p>
         </p:txBody>
       </p:sp>
@@ -9226,7 +8466,7 @@
           <p:cNvPr id="3" name="Content Placeholder 2">
             <a:extLst>
               <a:ext uri="{FF2B5EF4-FFF2-40B4-BE49-F238E27FC236}">
-                <a16:creationId xmlns:a16="http://schemas.microsoft.com/office/drawing/2014/main" xmlns="" id="{844A3DC5-46BF-4BFF-8008-98FD467C4904}"/>
+                <a16:creationId xmlns:a16="http://schemas.microsoft.com/office/drawing/2014/main" id="{844A3DC5-46BF-4BFF-8008-98FD467C4904}"/>
               </a:ext>
             </a:extLst>
           </p:cNvPr>
@@ -9256,13 +8496,7 @@
               <a:rPr lang="en-US" dirty="0">
                 <a:latin typeface="Consolas" panose="020B0609020204030204" pitchFamily="49" charset="0"/>
               </a:rPr>
-              <a:t>// define the contact </a:t>
-            </a:r>
-            <a:r>
-              <a:rPr lang="en-US" dirty="0" smtClean="0">
-                <a:latin typeface="Consolas" panose="020B0609020204030204" pitchFamily="49" charset="0"/>
-              </a:rPr>
-              <a:t>route</a:t>
+              <a:t>// define the contact route</a:t>
             </a:r>
           </a:p>
           <a:p>
@@ -9270,7 +8504,7 @@
               <a:buNone/>
             </a:pPr>
             <a:r>
-              <a:rPr lang="en-US" dirty="0" smtClean="0">
+              <a:rPr lang="en-US" dirty="0">
                 <a:latin typeface="Consolas" panose="020B0609020204030204" pitchFamily="49" charset="0"/>
               </a:rPr>
               <a:t>router.get('/public/contact', function (req, res) {</a:t>
@@ -9284,27 +8518,15 @@
               <a:rPr lang="en-US" dirty="0">
                 <a:latin typeface="Consolas" panose="020B0609020204030204" pitchFamily="49" charset="0"/>
               </a:rPr>
-              <a:t> </a:t>
-            </a:r>
-            <a:r>
-              <a:rPr lang="en-US" dirty="0" smtClean="0">
-                <a:latin typeface="Consolas" panose="020B0609020204030204" pitchFamily="49" charset="0"/>
-              </a:rPr>
-              <a:t> res.send</a:t>
-            </a:r>
+              <a:t>  res.send('contact.html')</a:t>
+            </a:r>
+          </a:p>
+          <a:p>
+            <a:pPr marL="0" indent="0">
+              <a:buNone/>
+            </a:pPr>
             <a:r>
               <a:rPr lang="en-US" dirty="0">
-                <a:latin typeface="Consolas" panose="020B0609020204030204" pitchFamily="49" charset="0"/>
-              </a:rPr>
-              <a:t>('contact.html')</a:t>
-            </a:r>
-          </a:p>
-          <a:p>
-            <a:pPr marL="0" indent="0">
-              <a:buNone/>
-            </a:pPr>
-            <a:r>
-              <a:rPr lang="en-US" dirty="0" smtClean="0">
                 <a:latin typeface="Consolas" panose="020B0609020204030204" pitchFamily="49" charset="0"/>
               </a:rPr>
               <a:t>});</a:t>
@@ -9348,19 +8570,7 @@
               <a:rPr lang="en-US" dirty="0">
                 <a:latin typeface="Consolas" panose="020B0609020204030204" pitchFamily="49" charset="0"/>
               </a:rPr>
-              <a:t> </a:t>
-            </a:r>
-            <a:r>
-              <a:rPr lang="en-US" dirty="0" smtClean="0">
-                <a:latin typeface="Consolas" panose="020B0609020204030204" pitchFamily="49" charset="0"/>
-              </a:rPr>
-              <a:t> res.send</a:t>
-            </a:r>
-            <a:r>
-              <a:rPr lang="en-US" dirty="0">
-                <a:latin typeface="Consolas" panose="020B0609020204030204" pitchFamily="49" charset="0"/>
-              </a:rPr>
-              <a:t>('registration.html')</a:t>
+              <a:t>  res.send('registration.html')</a:t>
             </a:r>
           </a:p>
           <a:p>
@@ -9406,7 +8616,7 @@
             <a:pPr marL="0" indent="0">
               <a:buNone/>
             </a:pPr>
-            <a:endParaRPr lang="en-US" sz="1800" dirty="0" smtClean="0"/>
+            <a:endParaRPr lang="en-US" sz="1800" dirty="0"/>
           </a:p>
         </p:txBody>
       </p:sp>
@@ -9415,7 +8625,7 @@
           <p:cNvPr id="4" name="Rectangle 3">
             <a:extLst>
               <a:ext uri="{FF2B5EF4-FFF2-40B4-BE49-F238E27FC236}">
-                <a16:creationId xmlns:a16="http://schemas.microsoft.com/office/drawing/2014/main" xmlns="" id="{0C71533A-4A29-47E2-A4D4-85E44356516A}"/>
+                <a16:creationId xmlns:a16="http://schemas.microsoft.com/office/drawing/2014/main" id="{0C71533A-4A29-47E2-A4D4-85E44356516A}"/>
               </a:ext>
             </a:extLst>
           </p:cNvPr>
@@ -9438,7 +8648,7 @@
           <a:lstStyle/>
           <a:p>
             <a:r>
-              <a:rPr lang="en-US" sz="1600" b="1" dirty="0" smtClean="0"/>
+              <a:rPr lang="en-US" sz="1600" b="1" dirty="0"/>
               <a:t>Source</a:t>
             </a:r>
           </a:p>
@@ -9490,13 +8700,6 @@
   <p:clrMapOvr>
     <a:masterClrMapping/>
   </p:clrMapOvr>
-  <p:timing>
-    <p:tnLst>
-      <p:par>
-        <p:cTn id="1" dur="indefinite" restart="never" nodeType="tmRoot"/>
-      </p:par>
-    </p:tnLst>
-  </p:timing>
 </p:sld>
 </file>
 
@@ -9522,7 +8725,7 @@
           <p:cNvPr id="2" name="Title 1">
             <a:extLst>
               <a:ext uri="{FF2B5EF4-FFF2-40B4-BE49-F238E27FC236}">
-                <a16:creationId xmlns:a16="http://schemas.microsoft.com/office/drawing/2014/main" xmlns="" id="{BDFAC13C-59B1-436E-B58F-C304E1C705CF}"/>
+                <a16:creationId xmlns:a16="http://schemas.microsoft.com/office/drawing/2014/main" id="{BDFAC13C-59B1-436E-B58F-C304E1C705CF}"/>
               </a:ext>
             </a:extLst>
           </p:cNvPr>
@@ -9546,14 +8749,13 @@
           <a:lstStyle/>
           <a:p>
             <a:r>
-              <a:rPr lang="en-US" u="sng" dirty="0" smtClean="0"/>
+              <a:rPr lang="en-US" u="sng" dirty="0"/>
               <a:t>express.Router Example </a:t>
             </a:r>
             <a:r>
-              <a:rPr lang="en-US" sz="2000" u="sng" dirty="0" smtClean="0"/>
+              <a:rPr lang="en-US" sz="2000" u="sng" dirty="0"/>
               <a:t>(revised express.js)</a:t>
             </a:r>
-            <a:endParaRPr lang="en-US" sz="2000" u="sng" dirty="0"/>
           </a:p>
         </p:txBody>
       </p:sp>
@@ -9562,7 +8764,7 @@
           <p:cNvPr id="3" name="Content Placeholder 2">
             <a:extLst>
               <a:ext uri="{FF2B5EF4-FFF2-40B4-BE49-F238E27FC236}">
-                <a16:creationId xmlns:a16="http://schemas.microsoft.com/office/drawing/2014/main" xmlns="" id="{844A3DC5-46BF-4BFF-8008-98FD467C4904}"/>
+                <a16:creationId xmlns:a16="http://schemas.microsoft.com/office/drawing/2014/main" id="{844A3DC5-46BF-4BFF-8008-98FD467C4904}"/>
               </a:ext>
             </a:extLst>
           </p:cNvPr>
@@ -9586,7 +8788,7 @@
           <a:lstStyle/>
           <a:p>
             <a:r>
-              <a:rPr lang="en-US" sz="2100" dirty="0" smtClean="0"/>
+              <a:rPr lang="en-US" sz="2100" dirty="0"/>
               <a:t>Here is the revised express.js file:</a:t>
             </a:r>
           </a:p>
@@ -9628,33 +8830,21 @@
               <a:buNone/>
             </a:pPr>
             <a:r>
-              <a:rPr lang="en-US" sz="1800" dirty="0" smtClean="0">
-                <a:latin typeface="Consolas" panose="020B0609020204030204" pitchFamily="49" charset="0"/>
-              </a:rPr>
-              <a:t>app.use(express.static</a:t>
-            </a:r>
-            <a:r>
               <a:rPr lang="en-US" sz="1800" dirty="0">
                 <a:latin typeface="Consolas" panose="020B0609020204030204" pitchFamily="49" charset="0"/>
               </a:rPr>
-              <a:t>('public'));</a:t>
+              <a:t>app.use(express.static('public'));</a:t>
             </a:r>
           </a:p>
           <a:p>
             <a:pPr marL="228600" indent="0">
               <a:buNone/>
             </a:pPr>
-            <a:r>
-              <a:rPr lang="en-US" sz="1800" dirty="0" smtClean="0">
-                <a:latin typeface="Consolas" panose="020B0609020204030204" pitchFamily="49" charset="0"/>
-              </a:rPr>
-              <a:t>var</a:t>
-            </a:r>
             <a:r>
               <a:rPr lang="en-US" sz="1800" dirty="0">
                 <a:latin typeface="Consolas" panose="020B0609020204030204" pitchFamily="49" charset="0"/>
               </a:rPr>
-              <a:t> myRouter = require('./myRouter')</a:t>
+              <a:t>var myRouter = require('./myRouter')</a:t>
             </a:r>
           </a:p>
           <a:p>
@@ -9672,12 +8862,6 @@
             <a:pPr marL="228600" indent="0">
               <a:buNone/>
             </a:pPr>
-            <a:r>
-              <a:rPr lang="en-US" sz="1800" dirty="0">
-                <a:latin typeface="Consolas" panose="020B0609020204030204" pitchFamily="49" charset="0"/>
-              </a:rPr>
-              <a:t/>
-            </a:r>
             <a:br>
               <a:rPr lang="en-US" sz="1800" dirty="0">
                 <a:latin typeface="Consolas" panose="020B0609020204030204" pitchFamily="49" charset="0"/>
@@ -9687,30 +8871,18 @@
               <a:rPr lang="en-US" sz="1800" dirty="0">
                 <a:latin typeface="Consolas" panose="020B0609020204030204" pitchFamily="49" charset="0"/>
               </a:rPr>
-              <a:t>app.listen(port, () =&gt; </a:t>
-            </a:r>
-            <a:r>
-              <a:rPr lang="en-US" sz="1800" dirty="0" smtClean="0">
-                <a:latin typeface="Consolas" panose="020B0609020204030204" pitchFamily="49" charset="0"/>
-              </a:rPr>
-              <a:t>{</a:t>
+              <a:t>app.listen(port, () =&gt; {</a:t>
             </a:r>
           </a:p>
           <a:p>
             <a:pPr marL="228600" indent="0">
               <a:buNone/>
             </a:pPr>
-            <a:r>
-              <a:rPr lang="en-US" sz="1800" dirty="0" smtClean="0">
-                <a:latin typeface="Consolas" panose="020B0609020204030204" pitchFamily="49" charset="0"/>
-              </a:rPr>
-              <a:t>console.log</a:t>
-            </a:r>
             <a:r>
               <a:rPr lang="en-US" sz="1800" dirty="0">
                 <a:latin typeface="Consolas" panose="020B0609020204030204" pitchFamily="49" charset="0"/>
               </a:rPr>
-              <a:t>(`The Express.js server is listening on port ${port}`);</a:t>
+              <a:t>console.log(`The Express.js server is listening on port ${port}`);</a:t>
             </a:r>
           </a:p>
           <a:p>
@@ -9718,23 +8890,20 @@
               <a:buNone/>
             </a:pPr>
             <a:r>
-              <a:rPr lang="en-US" sz="1800" dirty="0" smtClean="0">
+              <a:rPr lang="en-US" sz="1800" dirty="0">
                 <a:latin typeface="Consolas" panose="020B0609020204030204" pitchFamily="49" charset="0"/>
               </a:rPr>
               <a:t>});</a:t>
             </a:r>
+          </a:p>
+          <a:p>
+            <a:pPr marL="174625" indent="0">
+              <a:buNone/>
+            </a:pPr>
             <a:endParaRPr lang="en-US" sz="1800" dirty="0">
               <a:latin typeface="Consolas" panose="020B0609020204030204" pitchFamily="49" charset="0"/>
             </a:endParaRPr>
           </a:p>
-          <a:p>
-            <a:pPr marL="174625" indent="0">
-              <a:buNone/>
-            </a:pPr>
-            <a:endParaRPr lang="en-US" sz="1800" dirty="0" smtClean="0">
-              <a:latin typeface="Consolas" panose="020B0609020204030204" pitchFamily="49" charset="0"/>
-            </a:endParaRPr>
-          </a:p>
         </p:txBody>
       </p:sp>
       <p:sp>
@@ -9742,7 +8911,7 @@
           <p:cNvPr id="4" name="Rectangle 3">
             <a:extLst>
               <a:ext uri="{FF2B5EF4-FFF2-40B4-BE49-F238E27FC236}">
-                <a16:creationId xmlns:a16="http://schemas.microsoft.com/office/drawing/2014/main" xmlns="" id="{0C71533A-4A29-47E2-A4D4-85E44356516A}"/>
+                <a16:creationId xmlns:a16="http://schemas.microsoft.com/office/drawing/2014/main" id="{0C71533A-4A29-47E2-A4D4-85E44356516A}"/>
               </a:ext>
             </a:extLst>
           </p:cNvPr>
@@ -9765,7 +8934,7 @@
           <a:lstStyle/>
           <a:p>
             <a:r>
-              <a:rPr lang="en-US" sz="1600" b="1" dirty="0" smtClean="0"/>
+              <a:rPr lang="en-US" sz="1600" b="1" dirty="0"/>
               <a:t>Source</a:t>
             </a:r>
           </a:p>
@@ -9817,13 +8986,6 @@
   <p:clrMapOvr>
     <a:masterClrMapping/>
   </p:clrMapOvr>
-  <p:timing>
-    <p:tnLst>
-      <p:par>
-        <p:cTn id="1" dur="indefinite" restart="never" nodeType="tmRoot"/>
-      </p:par>
-    </p:tnLst>
-  </p:timing>
 </p:sld>
 </file>
 
@@ -9849,7 +9011,7 @@
           <p:cNvPr id="2" name="Title 1">
             <a:extLst>
               <a:ext uri="{FF2B5EF4-FFF2-40B4-BE49-F238E27FC236}">
-                <a16:creationId xmlns:a16="http://schemas.microsoft.com/office/drawing/2014/main" xmlns="" id="{BDFAC13C-59B1-436E-B58F-C304E1C705CF}"/>
+                <a16:creationId xmlns:a16="http://schemas.microsoft.com/office/drawing/2014/main" id="{BDFAC13C-59B1-436E-B58F-C304E1C705CF}"/>
               </a:ext>
             </a:extLst>
           </p:cNvPr>
@@ -9873,10 +9035,9 @@
           <a:lstStyle/>
           <a:p>
             <a:r>
-              <a:rPr lang="en-US" u="sng" dirty="0" smtClean="0"/>
+              <a:rPr lang="en-US" u="sng" dirty="0"/>
               <a:t>Using express with Node.js</a:t>
             </a:r>
-            <a:endParaRPr lang="en-US" u="sng" dirty="0"/>
           </a:p>
         </p:txBody>
       </p:sp>
@@ -9885,7 +9046,7 @@
           <p:cNvPr id="3" name="Content Placeholder 2">
             <a:extLst>
               <a:ext uri="{FF2B5EF4-FFF2-40B4-BE49-F238E27FC236}">
-                <a16:creationId xmlns:a16="http://schemas.microsoft.com/office/drawing/2014/main" xmlns="" id="{844A3DC5-46BF-4BFF-8008-98FD467C4904}"/>
+                <a16:creationId xmlns:a16="http://schemas.microsoft.com/office/drawing/2014/main" id="{844A3DC5-46BF-4BFF-8008-98FD467C4904}"/>
               </a:ext>
             </a:extLst>
           </p:cNvPr>
@@ -9932,7 +9093,7 @@
           <p:cNvPr id="4" name="Rectangle 3">
             <a:extLst>
               <a:ext uri="{FF2B5EF4-FFF2-40B4-BE49-F238E27FC236}">
-                <a16:creationId xmlns:a16="http://schemas.microsoft.com/office/drawing/2014/main" xmlns="" id="{0C71533A-4A29-47E2-A4D4-85E44356516A}"/>
+                <a16:creationId xmlns:a16="http://schemas.microsoft.com/office/drawing/2014/main" id="{0C71533A-4A29-47E2-A4D4-85E44356516A}"/>
               </a:ext>
             </a:extLst>
           </p:cNvPr>
@@ -9955,7 +9116,7 @@
           <a:lstStyle/>
           <a:p>
             <a:r>
-              <a:rPr lang="en-US" sz="1600" b="1" dirty="0" smtClean="0"/>
+              <a:rPr lang="en-US" sz="1600" b="1" dirty="0"/>
               <a:t>Source</a:t>
             </a:r>
           </a:p>
@@ -9964,16 +9125,10 @@
               <a:rPr lang="en-US" sz="1600" dirty="0">
                 <a:hlinkClick r:id="rId2"/>
               </a:rPr>
-              <a:t>https://www.guru99.com/node-js-express.html</a:t>
-            </a:r>
-            <a:r>
-              <a:rPr lang="en-US" sz="1600" dirty="0" smtClean="0">
-                <a:hlinkClick r:id="rId2"/>
-              </a:rPr>
-              <a:t>#</a:t>
-            </a:r>
-            <a:r>
-              <a:rPr lang="en-US" sz="1600" dirty="0" smtClean="0"/>
+              <a:t>https://www.guru99.com/node-js-express.html#</a:t>
+            </a:r>
+            <a:r>
+              <a:rPr lang="en-US" sz="1600" dirty="0"/>
               <a:t> </a:t>
             </a:r>
             <a:endParaRPr lang="en-US" sz="1600" dirty="0">
@@ -10017,13 +9172,6 @@
   <p:clrMapOvr>
     <a:masterClrMapping/>
   </p:clrMapOvr>
-  <p:timing>
-    <p:tnLst>
-      <p:par>
-        <p:cTn id="1" dur="indefinite" restart="never" nodeType="tmRoot"/>
-      </p:par>
-    </p:tnLst>
-  </p:timing>
 </p:sld>
 </file>
 
@@ -10049,7 +9197,7 @@
           <p:cNvPr id="2" name="Title 1">
             <a:extLst>
               <a:ext uri="{FF2B5EF4-FFF2-40B4-BE49-F238E27FC236}">
-                <a16:creationId xmlns:a16="http://schemas.microsoft.com/office/drawing/2014/main" xmlns="" id="{BDFAC13C-59B1-436E-B58F-C304E1C705CF}"/>
+                <a16:creationId xmlns:a16="http://schemas.microsoft.com/office/drawing/2014/main" id="{BDFAC13C-59B1-436E-B58F-C304E1C705CF}"/>
               </a:ext>
             </a:extLst>
           </p:cNvPr>
@@ -10073,7 +9221,7 @@
           <a:lstStyle/>
           <a:p>
             <a:r>
-              <a:rPr lang="en-US" u="sng" dirty="0" smtClean="0"/>
+              <a:rPr lang="en-US" u="sng" dirty="0"/>
               <a:t>Home Page</a:t>
             </a:r>
             <a:r>
@@ -10088,7 +9236,7 @@
           <p:cNvPr id="3" name="Content Placeholder 2">
             <a:extLst>
               <a:ext uri="{FF2B5EF4-FFF2-40B4-BE49-F238E27FC236}">
-                <a16:creationId xmlns:a16="http://schemas.microsoft.com/office/drawing/2014/main" xmlns="" id="{844A3DC5-46BF-4BFF-8008-98FD467C4904}"/>
+                <a16:creationId xmlns:a16="http://schemas.microsoft.com/office/drawing/2014/main" id="{844A3DC5-46BF-4BFF-8008-98FD467C4904}"/>
               </a:ext>
             </a:extLst>
           </p:cNvPr>
@@ -10111,7 +9259,7 @@
           </a:bodyPr>
           <a:lstStyle/>
           <a:p>
-            <a:endParaRPr lang="en-US" sz="1800" dirty="0" smtClean="0"/>
+            <a:endParaRPr lang="en-US" sz="1800" dirty="0"/>
           </a:p>
           <a:p>
             <a:pPr marL="0" indent="0">
@@ -10128,7 +9276,7 @@
           <p:cNvPr id="4" name="Rectangle 3">
             <a:extLst>
               <a:ext uri="{FF2B5EF4-FFF2-40B4-BE49-F238E27FC236}">
-                <a16:creationId xmlns:a16="http://schemas.microsoft.com/office/drawing/2014/main" xmlns="" id="{0C71533A-4A29-47E2-A4D4-85E44356516A}"/>
+                <a16:creationId xmlns:a16="http://schemas.microsoft.com/office/drawing/2014/main" id="{0C71533A-4A29-47E2-A4D4-85E44356516A}"/>
               </a:ext>
             </a:extLst>
           </p:cNvPr>
@@ -10151,7 +9299,7 @@
           <a:lstStyle/>
           <a:p>
             <a:r>
-              <a:rPr lang="en-US" sz="1600" b="1" dirty="0" smtClean="0"/>
+              <a:rPr lang="en-US" sz="1600" b="1" dirty="0"/>
               <a:t>Source</a:t>
             </a:r>
           </a:p>
@@ -10227,13 +9375,6 @@
   <p:clrMapOvr>
     <a:masterClrMapping/>
   </p:clrMapOvr>
-  <p:timing>
-    <p:tnLst>
-      <p:par>
-        <p:cTn id="1" dur="indefinite" restart="never" nodeType="tmRoot"/>
-      </p:par>
-    </p:tnLst>
-  </p:timing>
 </p:sld>
 </file>
 
@@ -10259,7 +9400,7 @@
           <p:cNvPr id="2" name="Title 1">
             <a:extLst>
               <a:ext uri="{FF2B5EF4-FFF2-40B4-BE49-F238E27FC236}">
-                <a16:creationId xmlns:a16="http://schemas.microsoft.com/office/drawing/2014/main" xmlns="" id="{BDFAC13C-59B1-436E-B58F-C304E1C705CF}"/>
+                <a16:creationId xmlns:a16="http://schemas.microsoft.com/office/drawing/2014/main" id="{BDFAC13C-59B1-436E-B58F-C304E1C705CF}"/>
               </a:ext>
             </a:extLst>
           </p:cNvPr>
@@ -10283,14 +9424,13 @@
           <a:lstStyle/>
           <a:p>
             <a:r>
-              <a:rPr lang="en-US" u="sng" dirty="0" smtClean="0"/>
+              <a:rPr lang="en-US" u="sng" dirty="0"/>
               <a:t>Home Page </a:t>
             </a:r>
             <a:r>
-              <a:rPr lang="en-US" sz="2000" u="sng" dirty="0" smtClean="0"/>
+              <a:rPr lang="en-US" sz="2000" u="sng" dirty="0"/>
               <a:t>(localhost:3000/contact.html)</a:t>
             </a:r>
-            <a:endParaRPr lang="en-US" sz="2000" u="sng" dirty="0"/>
           </a:p>
         </p:txBody>
       </p:sp>
@@ -10299,7 +9439,7 @@
           <p:cNvPr id="3" name="Content Placeholder 2">
             <a:extLst>
               <a:ext uri="{FF2B5EF4-FFF2-40B4-BE49-F238E27FC236}">
-                <a16:creationId xmlns:a16="http://schemas.microsoft.com/office/drawing/2014/main" xmlns="" id="{844A3DC5-46BF-4BFF-8008-98FD467C4904}"/>
+                <a16:creationId xmlns:a16="http://schemas.microsoft.com/office/drawing/2014/main" id="{844A3DC5-46BF-4BFF-8008-98FD467C4904}"/>
               </a:ext>
             </a:extLst>
           </p:cNvPr>
@@ -10322,7 +9462,7 @@
           </a:bodyPr>
           <a:lstStyle/>
           <a:p>
-            <a:endParaRPr lang="en-US" sz="1800" dirty="0" smtClean="0"/>
+            <a:endParaRPr lang="en-US" sz="1800" dirty="0"/>
           </a:p>
           <a:p>
             <a:pPr marL="0" indent="0">
@@ -10339,7 +9479,7 @@
           <p:cNvPr id="4" name="Rectangle 3">
             <a:extLst>
               <a:ext uri="{FF2B5EF4-FFF2-40B4-BE49-F238E27FC236}">
-                <a16:creationId xmlns:a16="http://schemas.microsoft.com/office/drawing/2014/main" xmlns="" id="{0C71533A-4A29-47E2-A4D4-85E44356516A}"/>
+                <a16:creationId xmlns:a16="http://schemas.microsoft.com/office/drawing/2014/main" id="{0C71533A-4A29-47E2-A4D4-85E44356516A}"/>
               </a:ext>
             </a:extLst>
           </p:cNvPr>
@@ -10362,7 +9502,7 @@
           <a:lstStyle/>
           <a:p>
             <a:r>
-              <a:rPr lang="en-US" sz="1600" b="1" dirty="0" smtClean="0"/>
+              <a:rPr lang="en-US" sz="1600" b="1" dirty="0"/>
               <a:t>Source</a:t>
             </a:r>
           </a:p>
@@ -10438,13 +9578,6 @@
   <p:clrMapOvr>
     <a:masterClrMapping/>
   </p:clrMapOvr>
-  <p:timing>
-    <p:tnLst>
-      <p:par>
-        <p:cTn id="1" dur="indefinite" restart="never" nodeType="tmRoot"/>
-      </p:par>
-    </p:tnLst>
-  </p:timing>
 </p:sld>
 </file>
 
@@ -10470,7 +9603,7 @@
           <p:cNvPr id="2" name="Title 1">
             <a:extLst>
               <a:ext uri="{FF2B5EF4-FFF2-40B4-BE49-F238E27FC236}">
-                <a16:creationId xmlns:a16="http://schemas.microsoft.com/office/drawing/2014/main" xmlns="" id="{BDFAC13C-59B1-436E-B58F-C304E1C705CF}"/>
+                <a16:creationId xmlns:a16="http://schemas.microsoft.com/office/drawing/2014/main" id="{BDFAC13C-59B1-436E-B58F-C304E1C705CF}"/>
               </a:ext>
             </a:extLst>
           </p:cNvPr>
@@ -10494,14 +9627,13 @@
           <a:lstStyle/>
           <a:p>
             <a:r>
-              <a:rPr lang="en-US" u="sng" dirty="0" smtClean="0"/>
+              <a:rPr lang="en-US" u="sng" dirty="0"/>
               <a:t>Home Page </a:t>
             </a:r>
             <a:r>
-              <a:rPr lang="en-US" sz="2000" u="sng" dirty="0" smtClean="0"/>
+              <a:rPr lang="en-US" sz="2000" u="sng" dirty="0"/>
               <a:t>(localhost:3000/registration.html)</a:t>
             </a:r>
-            <a:endParaRPr lang="en-US" sz="2000" u="sng" dirty="0"/>
           </a:p>
         </p:txBody>
       </p:sp>
@@ -10510,7 +9642,7 @@
           <p:cNvPr id="3" name="Content Placeholder 2">
             <a:extLst>
               <a:ext uri="{FF2B5EF4-FFF2-40B4-BE49-F238E27FC236}">
-                <a16:creationId xmlns:a16="http://schemas.microsoft.com/office/drawing/2014/main" xmlns="" id="{844A3DC5-46BF-4BFF-8008-98FD467C4904}"/>
+                <a16:creationId xmlns:a16="http://schemas.microsoft.com/office/drawing/2014/main" id="{844A3DC5-46BF-4BFF-8008-98FD467C4904}"/>
               </a:ext>
             </a:extLst>
           </p:cNvPr>
@@ -10533,7 +9665,7 @@
           </a:bodyPr>
           <a:lstStyle/>
           <a:p>
-            <a:endParaRPr lang="en-US" sz="1800" dirty="0" smtClean="0"/>
+            <a:endParaRPr lang="en-US" sz="1800" dirty="0"/>
           </a:p>
           <a:p>
             <a:pPr marL="0" indent="0">
@@ -10550,7 +9682,7 @@
           <p:cNvPr id="4" name="Rectangle 3">
             <a:extLst>
               <a:ext uri="{FF2B5EF4-FFF2-40B4-BE49-F238E27FC236}">
-                <a16:creationId xmlns:a16="http://schemas.microsoft.com/office/drawing/2014/main" xmlns="" id="{0C71533A-4A29-47E2-A4D4-85E44356516A}"/>
+                <a16:creationId xmlns:a16="http://schemas.microsoft.com/office/drawing/2014/main" id="{0C71533A-4A29-47E2-A4D4-85E44356516A}"/>
               </a:ext>
             </a:extLst>
           </p:cNvPr>
@@ -10573,7 +9705,7 @@
           <a:lstStyle/>
           <a:p>
             <a:r>
-              <a:rPr lang="en-US" sz="1600" b="1" dirty="0" smtClean="0"/>
+              <a:rPr lang="en-US" sz="1600" b="1" dirty="0"/>
               <a:t>Source</a:t>
             </a:r>
           </a:p>
@@ -10649,13 +9781,6 @@
   <p:clrMapOvr>
     <a:masterClrMapping/>
   </p:clrMapOvr>
-  <p:timing>
-    <p:tnLst>
-      <p:par>
-        <p:cTn id="1" dur="indefinite" restart="never" nodeType="tmRoot"/>
-      </p:par>
-    </p:tnLst>
-  </p:timing>
 </p:sld>
 </file>
 
@@ -10681,7 +9806,7 @@
           <p:cNvPr id="2" name="Title 1">
             <a:extLst>
               <a:ext uri="{FF2B5EF4-FFF2-40B4-BE49-F238E27FC236}">
-                <a16:creationId xmlns:a16="http://schemas.microsoft.com/office/drawing/2014/main" xmlns="" id="{BDFAC13C-59B1-436E-B58F-C304E1C705CF}"/>
+                <a16:creationId xmlns:a16="http://schemas.microsoft.com/office/drawing/2014/main" id="{BDFAC13C-59B1-436E-B58F-C304E1C705CF}"/>
               </a:ext>
             </a:extLst>
           </p:cNvPr>
@@ -10706,13 +9831,8 @@
           <a:p>
             <a:r>
               <a:rPr lang="en-US" u="sng" dirty="0"/>
-              <a:t>What We've </a:t>
-            </a:r>
-            <a:r>
-              <a:rPr lang="en-US" u="sng" dirty="0" smtClean="0"/>
-              <a:t>Covered</a:t>
-            </a:r>
-            <a:endParaRPr lang="en-US" u="sng" dirty="0"/>
+              <a:t>What We've Covered</a:t>
+            </a:r>
           </a:p>
         </p:txBody>
       </p:sp>
@@ -10721,7 +9841,7 @@
           <p:cNvPr id="3" name="Content Placeholder 2">
             <a:extLst>
               <a:ext uri="{FF2B5EF4-FFF2-40B4-BE49-F238E27FC236}">
-                <a16:creationId xmlns:a16="http://schemas.microsoft.com/office/drawing/2014/main" xmlns="" id="{844A3DC5-46BF-4BFF-8008-98FD467C4904}"/>
+                <a16:creationId xmlns:a16="http://schemas.microsoft.com/office/drawing/2014/main" id="{844A3DC5-46BF-4BFF-8008-98FD467C4904}"/>
               </a:ext>
             </a:extLst>
           </p:cNvPr>
@@ -10745,14 +9865,9 @@
           <a:lstStyle/>
           <a:p>
             <a:r>
-              <a:rPr lang="en-US" sz="1800" dirty="0" smtClean="0"/>
-              <a:t>How to use express.js </a:t>
-            </a:r>
-            <a:r>
               <a:rPr lang="en-US" sz="1800" dirty="0"/>
-              <a:t>in a node.js application</a:t>
-            </a:r>
-            <a:endParaRPr lang="en-US" sz="1800" dirty="0" smtClean="0"/>
+              <a:t>How to use express.js in a node.js application</a:t>
+            </a:r>
           </a:p>
           <a:p>
             <a:endParaRPr lang="en-US" sz="1800" dirty="0"/>
@@ -10792,13 +9907,6 @@
   <p:clrMapOvr>
     <a:masterClrMapping/>
   </p:clrMapOvr>
-  <p:timing>
-    <p:tnLst>
-      <p:par>
-        <p:cTn id="1" dur="indefinite" restart="never" nodeType="tmRoot"/>
-      </p:par>
-    </p:tnLst>
-  </p:timing>
 </p:sld>
 </file>
 
@@ -10824,7 +9932,7 @@
           <p:cNvPr id="2" name="Title 1">
             <a:extLst>
               <a:ext uri="{FF2B5EF4-FFF2-40B4-BE49-F238E27FC236}">
-                <a16:creationId xmlns:a16="http://schemas.microsoft.com/office/drawing/2014/main" xmlns="" id="{BDFAC13C-59B1-436E-B58F-C304E1C705CF}"/>
+                <a16:creationId xmlns:a16="http://schemas.microsoft.com/office/drawing/2014/main" id="{BDFAC13C-59B1-436E-B58F-C304E1C705CF}"/>
               </a:ext>
             </a:extLst>
           </p:cNvPr>
@@ -10848,10 +9956,9 @@
           <a:lstStyle/>
           <a:p>
             <a:r>
-              <a:rPr lang="en-US" u="sng" dirty="0" smtClean="0"/>
+              <a:rPr lang="en-US" u="sng" dirty="0"/>
               <a:t>The express.js Website</a:t>
             </a:r>
-            <a:endParaRPr lang="en-US" u="sng" dirty="0"/>
           </a:p>
         </p:txBody>
       </p:sp>
@@ -10860,7 +9967,7 @@
           <p:cNvPr id="4" name="Rectangle 3">
             <a:extLst>
               <a:ext uri="{FF2B5EF4-FFF2-40B4-BE49-F238E27FC236}">
-                <a16:creationId xmlns:a16="http://schemas.microsoft.com/office/drawing/2014/main" xmlns="" id="{0C71533A-4A29-47E2-A4D4-85E44356516A}"/>
+                <a16:creationId xmlns:a16="http://schemas.microsoft.com/office/drawing/2014/main" id="{0C71533A-4A29-47E2-A4D4-85E44356516A}"/>
               </a:ext>
             </a:extLst>
           </p:cNvPr>
@@ -10883,7 +9990,7 @@
           <a:lstStyle/>
           <a:p>
             <a:r>
-              <a:rPr lang="en-US" sz="1600" b="1" dirty="0" smtClean="0"/>
+              <a:rPr lang="en-US" sz="1600" b="1" dirty="0"/>
               <a:t>Source</a:t>
             </a:r>
           </a:p>
@@ -10978,13 +10085,6 @@
   <p:clrMapOvr>
     <a:masterClrMapping/>
   </p:clrMapOvr>
-  <p:timing>
-    <p:tnLst>
-      <p:par>
-        <p:cTn id="1" dur="indefinite" restart="never" nodeType="tmRoot"/>
-      </p:par>
-    </p:tnLst>
-  </p:timing>
 </p:sld>
 </file>
 
@@ -11010,7 +10110,7 @@
           <p:cNvPr id="2" name="Title 1">
             <a:extLst>
               <a:ext uri="{FF2B5EF4-FFF2-40B4-BE49-F238E27FC236}">
-                <a16:creationId xmlns:a16="http://schemas.microsoft.com/office/drawing/2014/main" xmlns="" id="{BDFAC13C-59B1-436E-B58F-C304E1C705CF}"/>
+                <a16:creationId xmlns:a16="http://schemas.microsoft.com/office/drawing/2014/main" id="{BDFAC13C-59B1-436E-B58F-C304E1C705CF}"/>
               </a:ext>
             </a:extLst>
           </p:cNvPr>
@@ -11034,10 +10134,9 @@
           <a:lstStyle/>
           <a:p>
             <a:r>
-              <a:rPr lang="en-US" u="sng" dirty="0" smtClean="0"/>
+              <a:rPr lang="en-US" u="sng" dirty="0"/>
               <a:t>Our First express.js application</a:t>
             </a:r>
-            <a:endParaRPr lang="en-US" u="sng" dirty="0"/>
           </a:p>
         </p:txBody>
       </p:sp>
@@ -11046,7 +10145,7 @@
           <p:cNvPr id="3" name="Content Placeholder 2">
             <a:extLst>
               <a:ext uri="{FF2B5EF4-FFF2-40B4-BE49-F238E27FC236}">
-                <a16:creationId xmlns:a16="http://schemas.microsoft.com/office/drawing/2014/main" xmlns="" id="{844A3DC5-46BF-4BFF-8008-98FD467C4904}"/>
+                <a16:creationId xmlns:a16="http://schemas.microsoft.com/office/drawing/2014/main" id="{844A3DC5-46BF-4BFF-8008-98FD467C4904}"/>
               </a:ext>
             </a:extLst>
           </p:cNvPr>
@@ -11070,17 +10169,17 @@
           <a:lstStyle/>
           <a:p>
             <a:r>
-              <a:rPr lang="en-US" sz="1800" dirty="0" smtClean="0"/>
+              <a:rPr lang="en-US" sz="1800" dirty="0"/>
               <a:t>First close the open main.js file in the nodeone folder if still open</a:t>
             </a:r>
           </a:p>
           <a:p>
             <a:r>
-              <a:rPr lang="en-US" sz="1800" dirty="0" smtClean="0"/>
+              <a:rPr lang="en-US" sz="1800" dirty="0"/>
               <a:t>Next, install express via the command </a:t>
             </a:r>
             <a:r>
-              <a:rPr lang="en-US" sz="1800" dirty="0" smtClean="0">
+              <a:rPr lang="en-US" sz="1800" dirty="0">
                 <a:latin typeface="Consolas" panose="020B0609020204030204" pitchFamily="49" charset="0"/>
               </a:rPr>
               <a:t>npm install express --save</a:t>
@@ -11088,7 +10187,7 @@
           </a:p>
           <a:p>
             <a:r>
-              <a:rPr lang="en-US" sz="1800" dirty="0" smtClean="0"/>
+              <a:rPr lang="en-US" sz="1800" dirty="0"/>
               <a:t>Then create a new JavaScript file called originalExpress.js with the code shown on the next page:</a:t>
             </a:r>
           </a:p>
@@ -11105,7 +10204,7 @@
           <p:cNvPr id="4" name="Rectangle 3">
             <a:extLst>
               <a:ext uri="{FF2B5EF4-FFF2-40B4-BE49-F238E27FC236}">
-                <a16:creationId xmlns:a16="http://schemas.microsoft.com/office/drawing/2014/main" xmlns="" id="{0C71533A-4A29-47E2-A4D4-85E44356516A}"/>
+                <a16:creationId xmlns:a16="http://schemas.microsoft.com/office/drawing/2014/main" id="{0C71533A-4A29-47E2-A4D4-85E44356516A}"/>
               </a:ext>
             </a:extLst>
           </p:cNvPr>
@@ -11128,7 +10227,7 @@
           <a:lstStyle/>
           <a:p>
             <a:r>
-              <a:rPr lang="en-US" sz="1600" b="1" dirty="0" smtClean="0"/>
+              <a:rPr lang="en-US" sz="1600" b="1" dirty="0"/>
               <a:t>Source</a:t>
             </a:r>
           </a:p>
@@ -11137,16 +10236,10 @@
               <a:rPr lang="en-US" sz="1600" dirty="0">
                 <a:hlinkClick r:id="rId2"/>
               </a:rPr>
-              <a:t>https://www.guru99.com/node-js-express.html</a:t>
-            </a:r>
-            <a:r>
-              <a:rPr lang="en-US" sz="1600" dirty="0" smtClean="0">
-                <a:hlinkClick r:id="rId2"/>
-              </a:rPr>
-              <a:t>#</a:t>
-            </a:r>
-            <a:r>
-              <a:rPr lang="en-US" sz="1600" dirty="0" smtClean="0"/>
+              <a:t>https://www.guru99.com/node-js-express.html#</a:t>
+            </a:r>
+            <a:r>
+              <a:rPr lang="en-US" sz="1600" dirty="0"/>
               <a:t> </a:t>
             </a:r>
             <a:endParaRPr lang="en-US" sz="1600" dirty="0">
@@ -11190,13 +10283,6 @@
   <p:clrMapOvr>
     <a:masterClrMapping/>
   </p:clrMapOvr>
-  <p:timing>
-    <p:tnLst>
-      <p:par>
-        <p:cTn id="1" dur="indefinite" restart="never" nodeType="tmRoot"/>
-      </p:par>
-    </p:tnLst>
-  </p:timing>
 </p:sld>
 </file>
 
@@ -11222,7 +10308,7 @@
           <p:cNvPr id="2" name="Title 1">
             <a:extLst>
               <a:ext uri="{FF2B5EF4-FFF2-40B4-BE49-F238E27FC236}">
-                <a16:creationId xmlns:a16="http://schemas.microsoft.com/office/drawing/2014/main" xmlns="" id="{BDFAC13C-59B1-436E-B58F-C304E1C705CF}"/>
+                <a16:creationId xmlns:a16="http://schemas.microsoft.com/office/drawing/2014/main" id="{BDFAC13C-59B1-436E-B58F-C304E1C705CF}"/>
               </a:ext>
             </a:extLst>
           </p:cNvPr>
@@ -11246,10 +10332,9 @@
           <a:lstStyle/>
           <a:p>
             <a:r>
-              <a:rPr lang="en-US" u="sng" dirty="0" smtClean="0"/>
+              <a:rPr lang="en-US" u="sng" dirty="0"/>
               <a:t>Our First express.js application</a:t>
             </a:r>
-            <a:endParaRPr lang="en-US" u="sng" dirty="0"/>
           </a:p>
         </p:txBody>
       </p:sp>
@@ -11258,7 +10343,7 @@
           <p:cNvPr id="3" name="Content Placeholder 2">
             <a:extLst>
               <a:ext uri="{FF2B5EF4-FFF2-40B4-BE49-F238E27FC236}">
-                <a16:creationId xmlns:a16="http://schemas.microsoft.com/office/drawing/2014/main" xmlns="" id="{844A3DC5-46BF-4BFF-8008-98FD467C4904}"/>
+                <a16:creationId xmlns:a16="http://schemas.microsoft.com/office/drawing/2014/main" id="{844A3DC5-46BF-4BFF-8008-98FD467C4904}"/>
               </a:ext>
             </a:extLst>
           </p:cNvPr>
@@ -11299,17 +10384,8 @@
               <a:rPr lang="en-US" sz="1800" dirty="0">
                 <a:latin typeface="Consolas" panose="020B0609020204030204" pitchFamily="49" charset="0"/>
               </a:rPr>
-              <a:t>const express = require</a:t>
-            </a:r>
-            <a:r>
-              <a:rPr lang="en-US" sz="1800" dirty="0" smtClean="0">
-                <a:latin typeface="Consolas" panose="020B0609020204030204" pitchFamily="49" charset="0"/>
-              </a:rPr>
-              <a:t>("express");</a:t>
-            </a:r>
-            <a:endParaRPr lang="en-US" sz="1800" dirty="0">
-              <a:latin typeface="Consolas" panose="020B0609020204030204" pitchFamily="49" charset="0"/>
-            </a:endParaRPr>
+              <a:t>const express = require("express");</a:t>
+            </a:r>
           </a:p>
           <a:p>
             <a:pPr marL="0" indent="0">
@@ -11330,34 +10406,19 @@
               <a:rPr lang="en-US" sz="1800" dirty="0">
                 <a:latin typeface="Consolas" panose="020B0609020204030204" pitchFamily="49" charset="0"/>
               </a:rPr>
-              <a:t>app.get</a:t>
-            </a:r>
-            <a:r>
-              <a:rPr lang="en-US" sz="1800" dirty="0" smtClean="0">
-                <a:latin typeface="Consolas" panose="020B0609020204030204" pitchFamily="49" charset="0"/>
-              </a:rPr>
-              <a:t>("/",</a:t>
-            </a:r>
+              <a:t>app.get("/", (req, res) =&gt; {</a:t>
+            </a:r>
+          </a:p>
+          <a:p>
+            <a:pPr marL="114300" indent="0">
+              <a:buNone/>
+            </a:pPr>
             <a:r>
               <a:rPr lang="en-US" sz="1800" dirty="0">
                 <a:latin typeface="Consolas" panose="020B0609020204030204" pitchFamily="49" charset="0"/>
               </a:rPr>
-              <a:t> (req, res) =&gt; {</a:t>
-            </a:r>
-          </a:p>
-          <a:p>
-            <a:pPr marL="114300" indent="0">
-              <a:buNone/>
-            </a:pPr>
-            <a:r>
-              <a:rPr lang="en-US" sz="1800" dirty="0" smtClean="0">
-                <a:latin typeface="Consolas" panose="020B0609020204030204" pitchFamily="49" charset="0"/>
-              </a:rPr>
               <a:t>res.send("Hello from node.js and express!");</a:t>
             </a:r>
-            <a:endParaRPr lang="en-US" sz="1800" dirty="0">
-              <a:latin typeface="Consolas" panose="020B0609020204030204" pitchFamily="49" charset="0"/>
-            </a:endParaRPr>
           </a:p>
           <a:p>
             <a:pPr marL="0" indent="0">
@@ -11386,28 +10447,10 @@
               <a:buNone/>
             </a:pPr>
             <a:r>
-              <a:rPr lang="en-US" sz="1800" dirty="0" smtClean="0">
-                <a:latin typeface="Consolas" panose="020B0609020204030204" pitchFamily="49" charset="0"/>
-              </a:rPr>
-              <a:t>console.log</a:t>
-            </a:r>
-            <a:r>
               <a:rPr lang="en-US" sz="1800" dirty="0">
                 <a:latin typeface="Consolas" panose="020B0609020204030204" pitchFamily="49" charset="0"/>
               </a:rPr>
-              <a:t>(`The </a:t>
-            </a:r>
-            <a:r>
-              <a:rPr lang="en-US" sz="1800" dirty="0" smtClean="0">
-                <a:latin typeface="Consolas" panose="020B0609020204030204" pitchFamily="49" charset="0"/>
-              </a:rPr>
-              <a:t>server</a:t>
-            </a:r>
-            <a:r>
-              <a:rPr lang="en-US" sz="1800" dirty="0">
-                <a:latin typeface="Consolas" panose="020B0609020204030204" pitchFamily="49" charset="0"/>
-              </a:rPr>
-              <a:t> is listening on port ${port}`);</a:t>
+              <a:t>console.log(`The server is listening on port ${port}`);</a:t>
             </a:r>
           </a:p>
           <a:p>
@@ -11456,13 +10499,6 @@
   <p:clrMapOvr>
     <a:masterClrMapping/>
   </p:clrMapOvr>
-  <p:timing>
-    <p:tnLst>
-      <p:par>
-        <p:cTn id="1" dur="indefinite" restart="never" nodeType="tmRoot"/>
-      </p:par>
-    </p:tnLst>
-  </p:timing>
 </p:sld>
 </file>
 
@@ -11488,7 +10524,7 @@
           <p:cNvPr id="2" name="Title 1">
             <a:extLst>
               <a:ext uri="{FF2B5EF4-FFF2-40B4-BE49-F238E27FC236}">
-                <a16:creationId xmlns:a16="http://schemas.microsoft.com/office/drawing/2014/main" xmlns="" id="{BDFAC13C-59B1-436E-B58F-C304E1C705CF}"/>
+                <a16:creationId xmlns:a16="http://schemas.microsoft.com/office/drawing/2014/main" id="{BDFAC13C-59B1-436E-B58F-C304E1C705CF}"/>
               </a:ext>
             </a:extLst>
           </p:cNvPr>
@@ -11512,10 +10548,9 @@
           <a:lstStyle/>
           <a:p>
             <a:r>
-              <a:rPr lang="en-US" u="sng" dirty="0" smtClean="0"/>
+              <a:rPr lang="en-US" u="sng" dirty="0"/>
               <a:t>Our First express.js application</a:t>
             </a:r>
-            <a:endParaRPr lang="en-US" u="sng" dirty="0"/>
           </a:p>
         </p:txBody>
       </p:sp>
@@ -11524,7 +10559,7 @@
           <p:cNvPr id="3" name="Content Placeholder 2">
             <a:extLst>
               <a:ext uri="{FF2B5EF4-FFF2-40B4-BE49-F238E27FC236}">
-                <a16:creationId xmlns:a16="http://schemas.microsoft.com/office/drawing/2014/main" xmlns="" id="{844A3DC5-46BF-4BFF-8008-98FD467C4904}"/>
+                <a16:creationId xmlns:a16="http://schemas.microsoft.com/office/drawing/2014/main" id="{844A3DC5-46BF-4BFF-8008-98FD467C4904}"/>
               </a:ext>
             </a:extLst>
           </p:cNvPr>
@@ -11548,18 +10583,15 @@
           <a:lstStyle/>
           <a:p>
             <a:r>
-              <a:rPr lang="en-US" sz="1800" dirty="0" smtClean="0"/>
+              <a:rPr lang="en-US" sz="1800" dirty="0"/>
               <a:t>Finally, run the program via the command </a:t>
             </a:r>
             <a:r>
-              <a:rPr lang="en-US" sz="1800" dirty="0" smtClean="0">
+              <a:rPr lang="en-US" sz="1800" dirty="0">
                 <a:latin typeface="Consolas" panose="020B0609020204030204" pitchFamily="49" charset="0"/>
               </a:rPr>
               <a:t>node originalExpress.js</a:t>
             </a:r>
-            <a:endParaRPr lang="en-US" sz="1800" dirty="0">
-              <a:latin typeface="Consolas" panose="020B0609020204030204" pitchFamily="49" charset="0"/>
-            </a:endParaRPr>
           </a:p>
         </p:txBody>
       </p:sp>
@@ -11596,13 +10628,6 @@
   <p:clrMapOvr>
     <a:masterClrMapping/>
   </p:clrMapOvr>
-  <p:timing>
-    <p:tnLst>
-      <p:par>
-        <p:cTn id="1" dur="indefinite" restart="never" nodeType="tmRoot"/>
-      </p:par>
-    </p:tnLst>
-  </p:timing>
 </p:sld>
 </file>
 
@@ -11628,7 +10653,7 @@
           <p:cNvPr id="2" name="Title 1">
             <a:extLst>
               <a:ext uri="{FF2B5EF4-FFF2-40B4-BE49-F238E27FC236}">
-                <a16:creationId xmlns:a16="http://schemas.microsoft.com/office/drawing/2014/main" xmlns="" id="{BDFAC13C-59B1-436E-B58F-C304E1C705CF}"/>
+                <a16:creationId xmlns:a16="http://schemas.microsoft.com/office/drawing/2014/main" id="{BDFAC13C-59B1-436E-B58F-C304E1C705CF}"/>
               </a:ext>
             </a:extLst>
           </p:cNvPr>
@@ -11655,24 +10680,12 @@
               <a:rPr lang="en-US" u="sng" dirty="0"/>
               <a:t>Our First express.js application</a:t>
             </a:r>
-            <a:r>
-              <a:rPr lang="en-US" u="sng" dirty="0" smtClean="0"/>
-              <a:t/>
-            </a:r>
             <a:br>
-              <a:rPr lang="en-US" u="sng" dirty="0" smtClean="0"/>
+              <a:rPr lang="en-US" u="sng" dirty="0"/>
             </a:br>
             <a:r>
-              <a:rPr lang="en-US" sz="2400" dirty="0" smtClean="0"/>
-              <a:t>(each </a:t>
-            </a:r>
-            <a:r>
               <a:rPr lang="en-US" sz="2400" dirty="0"/>
-              <a:t>statement</a:t>
-            </a:r>
-            <a:r>
-              <a:rPr lang="en-US" sz="2400" dirty="0" smtClean="0"/>
-              <a:t> explained)</a:t>
+              <a:t>(each statement explained)</a:t>
             </a:r>
             <a:endParaRPr lang="en-US" u="sng" dirty="0"/>
           </a:p>
@@ -11683,7 +10696,7 @@
           <p:cNvPr id="3" name="Content Placeholder 2">
             <a:extLst>
               <a:ext uri="{FF2B5EF4-FFF2-40B4-BE49-F238E27FC236}">
-                <a16:creationId xmlns:a16="http://schemas.microsoft.com/office/drawing/2014/main" xmlns="" id="{844A3DC5-46BF-4BFF-8008-98FD467C4904}"/>
+                <a16:creationId xmlns:a16="http://schemas.microsoft.com/office/drawing/2014/main" id="{844A3DC5-46BF-4BFF-8008-98FD467C4904}"/>
               </a:ext>
             </a:extLst>
           </p:cNvPr>
@@ -11713,39 +10726,14 @@
               <a:rPr lang="en-US" sz="1800" dirty="0">
                 <a:latin typeface="Consolas" panose="020B0609020204030204" pitchFamily="49" charset="0"/>
               </a:rPr>
-              <a:t>const </a:t>
-            </a:r>
-            <a:r>
-              <a:rPr lang="en-US" sz="1800" dirty="0" smtClean="0">
-                <a:latin typeface="Consolas" panose="020B0609020204030204" pitchFamily="49" charset="0"/>
-              </a:rPr>
-              <a:t>port =</a:t>
-            </a:r>
-            <a:r>
-              <a:rPr lang="en-US" sz="1800" dirty="0">
-                <a:latin typeface="Consolas" panose="020B0609020204030204" pitchFamily="49" charset="0"/>
-              </a:rPr>
-              <a:t> </a:t>
-            </a:r>
-            <a:r>
-              <a:rPr lang="en-US" sz="1800" dirty="0" smtClean="0">
-                <a:latin typeface="Consolas" panose="020B0609020204030204" pitchFamily="49" charset="0"/>
-              </a:rPr>
-              <a:t>3000</a:t>
-            </a:r>
-            <a:r>
-              <a:rPr lang="en-US" sz="1800" dirty="0">
-                <a:latin typeface="Consolas" panose="020B0609020204030204" pitchFamily="49" charset="0"/>
-              </a:rPr>
-              <a:t>;</a:t>
-            </a:r>
-          </a:p>
-          <a:p>
-            <a:r>
-              <a:rPr lang="en-US" sz="1800" dirty="0" smtClean="0"/>
+              <a:t>const port = 3000;</a:t>
+            </a:r>
+          </a:p>
+          <a:p>
+            <a:r>
+              <a:rPr lang="en-US" sz="1800" dirty="0"/>
               <a:t>To keep the example simple, I hard-coded the port to be 3000</a:t>
             </a:r>
-            <a:endParaRPr lang="en-US" sz="1800" dirty="0"/>
           </a:p>
         </p:txBody>
       </p:sp>
@@ -11782,13 +10770,6 @@
   <p:clrMapOvr>
     <a:masterClrMapping/>
   </p:clrMapOvr>
-  <p:timing>
-    <p:tnLst>
-      <p:par>
-        <p:cTn id="1" dur="indefinite" restart="never" nodeType="tmRoot"/>
-      </p:par>
-    </p:tnLst>
-  </p:timing>
 </p:sld>
 </file>
 
@@ -11814,7 +10795,7 @@
           <p:cNvPr id="2" name="Title 1">
             <a:extLst>
               <a:ext uri="{FF2B5EF4-FFF2-40B4-BE49-F238E27FC236}">
-                <a16:creationId xmlns:a16="http://schemas.microsoft.com/office/drawing/2014/main" xmlns="" id="{BDFAC13C-59B1-436E-B58F-C304E1C705CF}"/>
+                <a16:creationId xmlns:a16="http://schemas.microsoft.com/office/drawing/2014/main" id="{BDFAC13C-59B1-436E-B58F-C304E1C705CF}"/>
               </a:ext>
             </a:extLst>
           </p:cNvPr>
@@ -11841,24 +10822,12 @@
               <a:rPr lang="en-US" u="sng" dirty="0"/>
               <a:t>Our First express.js application</a:t>
             </a:r>
-            <a:r>
-              <a:rPr lang="en-US" u="sng" dirty="0" smtClean="0"/>
-              <a:t/>
-            </a:r>
             <a:br>
-              <a:rPr lang="en-US" u="sng" dirty="0" smtClean="0"/>
+              <a:rPr lang="en-US" u="sng" dirty="0"/>
             </a:br>
             <a:r>
-              <a:rPr lang="en-US" sz="2400" dirty="0" smtClean="0"/>
-              <a:t>(each </a:t>
-            </a:r>
-            <a:r>
               <a:rPr lang="en-US" sz="2400" dirty="0"/>
-              <a:t>statement</a:t>
-            </a:r>
-            <a:r>
-              <a:rPr lang="en-US" sz="2400" dirty="0" smtClean="0"/>
-              <a:t> explained)</a:t>
+              <a:t>(each statement explained)</a:t>
             </a:r>
             <a:endParaRPr lang="en-US" u="sng" dirty="0"/>
           </a:p>
@@ -11869,7 +10838,7 @@
           <p:cNvPr id="3" name="Content Placeholder 2">
             <a:extLst>
               <a:ext uri="{FF2B5EF4-FFF2-40B4-BE49-F238E27FC236}">
-                <a16:creationId xmlns:a16="http://schemas.microsoft.com/office/drawing/2014/main" xmlns="" id="{844A3DC5-46BF-4BFF-8008-98FD467C4904}"/>
+                <a16:creationId xmlns:a16="http://schemas.microsoft.com/office/drawing/2014/main" id="{844A3DC5-46BF-4BFF-8008-98FD467C4904}"/>
               </a:ext>
             </a:extLst>
           </p:cNvPr>
@@ -11899,24 +10868,14 @@
               <a:rPr lang="en-US" sz="1800" dirty="0">
                 <a:latin typeface="Consolas" panose="020B0609020204030204" pitchFamily="49" charset="0"/>
               </a:rPr>
-              <a:t>const express = require('express</a:t>
-            </a:r>
-            <a:r>
-              <a:rPr lang="en-US" sz="1800" dirty="0" smtClean="0">
-                <a:latin typeface="Consolas" panose="020B0609020204030204" pitchFamily="49" charset="0"/>
-              </a:rPr>
-              <a:t>');</a:t>
-            </a:r>
-            <a:endParaRPr lang="en-US" sz="1800" dirty="0">
-              <a:latin typeface="Consolas" panose="020B0609020204030204" pitchFamily="49" charset="0"/>
-            </a:endParaRPr>
-          </a:p>
-          <a:p>
-            <a:r>
-              <a:rPr lang="en-US" sz="1800" dirty="0" smtClean="0"/>
+              <a:t>const express = require('express');</a:t>
+            </a:r>
+          </a:p>
+          <a:p>
+            <a:r>
+              <a:rPr lang="en-US" sz="1800" dirty="0"/>
               <a:t>Express was previously installed for the project.  This line makes it available to the project</a:t>
             </a:r>
-            <a:endParaRPr lang="en-US" sz="1800" dirty="0"/>
           </a:p>
         </p:txBody>
       </p:sp>
@@ -11953,13 +10912,6 @@
   <p:clrMapOvr>
     <a:masterClrMapping/>
   </p:clrMapOvr>
-  <p:timing>
-    <p:tnLst>
-      <p:par>
-        <p:cTn id="1" dur="indefinite" restart="never" nodeType="tmRoot"/>
-      </p:par>
-    </p:tnLst>
-  </p:timing>
 </p:sld>
 </file>
 
@@ -12501,6 +11453,15 @@
 </file>
 
 <file path=customXml/item1.xml><?xml version="1.0" encoding="utf-8"?>
+<?mso-contentType ?>
+<FormTemplates xmlns="http://schemas.microsoft.com/sharepoint/v3/contenttype/forms">
+  <Display>DocumentLibraryForm</Display>
+  <Edit>DocumentLibraryForm</Edit>
+  <New>DocumentLibraryForm</New>
+</FormTemplates>
+</file>
+
+<file path=customXml/item2.xml><?xml version="1.0" encoding="utf-8"?>
 <ct:contentTypeSchema xmlns:ct="http://schemas.microsoft.com/office/2006/metadata/contentType" xmlns:ma="http://schemas.microsoft.com/office/2006/metadata/properties/metaAttributes" ct:_="" ma:_="" ma:contentTypeName="Document" ma:contentTypeID="0x01010079F111ED35F8CC479449609E8A0923A6" ma:contentTypeVersion="12" ma:contentTypeDescription="Create a new document." ma:contentTypeScope="" ma:versionID="a410dd7f93c95333ffa1b60ed6adedd1">
   <xsd:schema xmlns:xsd="http://www.w3.org/2001/XMLSchema" xmlns:xs="http://www.w3.org/2001/XMLSchema" xmlns:p="http://schemas.microsoft.com/office/2006/metadata/properties" xmlns:ns2="71af3243-3dd4-4a8d-8c0d-dd76da1f02a5" xmlns:ns3="16c05727-aa75-4e4a-9b5f-8a80a1165891" targetNamespace="http://schemas.microsoft.com/office/2006/metadata/properties" ma:root="true" ma:fieldsID="a936d9baba76aa3866493feff160faab" ns2:_="" ns3:_="">
     <xsd:import namespace="71af3243-3dd4-4a8d-8c0d-dd76da1f02a5"/>
@@ -12721,15 +11682,6 @@
 </ct:contentTypeSchema>
 </file>
 
-<file path=customXml/item2.xml><?xml version="1.0" encoding="utf-8"?>
-<?mso-contentType ?>
-<FormTemplates xmlns="http://schemas.microsoft.com/sharepoint/v3/contenttype/forms">
-  <Display>DocumentLibraryForm</Display>
-  <Edit>DocumentLibraryForm</Edit>
-  <New>DocumentLibraryForm</New>
-</FormTemplates>
-</file>
-
 <file path=customXml/item3.xml><?xml version="1.0" encoding="utf-8"?>
 <p:properties xmlns:p="http://schemas.microsoft.com/office/2006/metadata/properties" xmlns:xsi="http://www.w3.org/2001/XMLSchema-instance" xmlns:pc="http://schemas.microsoft.com/office/infopath/2007/PartnerControls">
   <documentManagement>
@@ -12740,6 +11692,14 @@
 </file>
 
 <file path=customXml/itemProps1.xml><?xml version="1.0" encoding="utf-8"?>
+<ds:datastoreItem xmlns:ds="http://schemas.openxmlformats.org/officeDocument/2006/customXml" ds:itemID="{CDB58277-F8DF-46FF-84EC-EF41B835E69F}">
+  <ds:schemaRefs>
+    <ds:schemaRef ds:uri="http://schemas.microsoft.com/sharepoint/v3/contenttype/forms"/>
+  </ds:schemaRefs>
+</ds:datastoreItem>
+</file>
+
+<file path=customXml/itemProps2.xml><?xml version="1.0" encoding="utf-8"?>
 <ds:datastoreItem xmlns:ds="http://schemas.openxmlformats.org/officeDocument/2006/customXml" ds:itemID="{2D276E62-80A3-44DD-9BCC-97ED2B99B57F}">
   <ds:schemaRefs>
     <ds:schemaRef ds:uri="http://schemas.microsoft.com/office/2006/metadata/contentType"/>
@@ -12754,14 +11714,6 @@
     <ds:schemaRef ds:uri="http://purl.org/dc/elements/1.1/"/>
     <ds:schemaRef ds:uri="http://purl.org/dc/terms/"/>
     <ds:schemaRef ds:uri="http://schemas.microsoft.com/internal/obd"/>
-  </ds:schemaRefs>
-</ds:datastoreItem>
-</file>
-
-<file path=customXml/itemProps2.xml><?xml version="1.0" encoding="utf-8"?>
-<ds:datastoreItem xmlns:ds="http://schemas.openxmlformats.org/officeDocument/2006/customXml" ds:itemID="{CDB58277-F8DF-46FF-84EC-EF41B835E69F}">
-  <ds:schemaRefs>
-    <ds:schemaRef ds:uri="http://schemas.microsoft.com/sharepoint/v3/contenttype/forms"/>
   </ds:schemaRefs>
 </ds:datastoreItem>
 </file>

--- a/unit_01/slides/Unit01-PartIII.pptx
+++ b/unit_01/slides/Unit01-PartIII.pptx
@@ -229,7 +229,7 @@
           <a:p>
             <a:fld id="{DEF45A3F-F083-4E1A-8339-FCD652B27D36}" type="datetimeFigureOut">
               <a:rPr lang="en-US" smtClean="0"/>
-              <a:t>9/2/2020</a:t>
+              <a:t>9/8/2020</a:t>
             </a:fld>
             <a:endParaRPr lang="en-US" dirty="0"/>
           </a:p>
@@ -1049,7 +1049,7 @@
           <a:p>
             <a:fld id="{EB2553B6-A683-4C13-ADF3-6E78B5B860F6}" type="datetime1">
               <a:rPr lang="en-US" smtClean="0"/>
-              <a:t>9/2/2020</a:t>
+              <a:t>9/8/2020</a:t>
             </a:fld>
             <a:endParaRPr lang="en-US" dirty="0"/>
           </a:p>
@@ -1251,7 +1251,7 @@
           <a:p>
             <a:fld id="{6DA00B11-1D47-4652-AEE5-4C2B1235CB66}" type="datetime1">
               <a:rPr lang="en-US" smtClean="0"/>
-              <a:t>9/2/2020</a:t>
+              <a:t>9/8/2020</a:t>
             </a:fld>
             <a:endParaRPr lang="en-US" dirty="0"/>
           </a:p>
@@ -1850,7 +1850,7 @@
           <a:p>
             <a:fld id="{90AC2323-8C5A-462B-92B9-62EA14FA9E94}" type="datetime1">
               <a:rPr lang="en-US" smtClean="0"/>
-              <a:t>9/2/2020</a:t>
+              <a:t>9/8/2020</a:t>
             </a:fld>
             <a:endParaRPr lang="en-US" dirty="0"/>
           </a:p>
@@ -2170,7 +2170,7 @@
           <a:p>
             <a:fld id="{10DC40C2-59E9-46C8-B03E-7C20E5F4F12D}" type="datetime1">
               <a:rPr lang="en-US" smtClean="0"/>
-              <a:t>9/2/2020</a:t>
+              <a:t>9/8/2020</a:t>
             </a:fld>
             <a:endParaRPr lang="en-US" dirty="0"/>
           </a:p>
@@ -2607,7 +2607,7 @@
           <a:p>
             <a:fld id="{7FBC8CB6-941B-4270-8276-FD8E92A373DA}" type="datetime1">
               <a:rPr lang="en-US" smtClean="0"/>
-              <a:t>9/2/2020</a:t>
+              <a:t>9/8/2020</a:t>
             </a:fld>
             <a:endParaRPr lang="en-US" dirty="0"/>
           </a:p>
@@ -2725,7 +2725,7 @@
           <a:p>
             <a:fld id="{15E57E43-E251-46CB-9ADD-5572689A0D73}" type="datetime1">
               <a:rPr lang="en-US" smtClean="0"/>
-              <a:t>9/2/2020</a:t>
+              <a:t>9/8/2020</a:t>
             </a:fld>
             <a:endParaRPr lang="en-US" dirty="0"/>
           </a:p>
@@ -2820,7 +2820,7 @@
           <a:p>
             <a:fld id="{9582FC12-F480-42AE-9F3F-3DA69EB64A0D}" type="datetime1">
               <a:rPr lang="en-US" smtClean="0"/>
-              <a:t>9/2/2020</a:t>
+              <a:t>9/8/2020</a:t>
             </a:fld>
             <a:endParaRPr lang="en-US" dirty="0"/>
           </a:p>
@@ -3237,7 +3237,7 @@
           <a:p>
             <a:fld id="{545CEF3F-6F6A-4297-B757-FFB5D4A3AD64}" type="datetime1">
               <a:rPr lang="en-US" smtClean="0"/>
-              <a:t>9/2/2020</a:t>
+              <a:t>9/8/2020</a:t>
             </a:fld>
             <a:endParaRPr lang="en-US" dirty="0"/>
           </a:p>
@@ -3497,7 +3497,7 @@
           <a:p>
             <a:fld id="{EE2F6E23-5248-4ECD-8C29-1FB95B395C86}" type="datetime1">
               <a:rPr lang="en-US" smtClean="0"/>
-              <a:t>9/2/2020</a:t>
+              <a:t>9/8/2020</a:t>
             </a:fld>
             <a:endParaRPr lang="en-US" dirty="0"/>
           </a:p>
@@ -4013,7 +4013,7 @@
           <a:p>
             <a:fld id="{5DE9F2A3-885D-46CC-9642-01CAAE4EB600}" type="datetime1">
               <a:rPr lang="en-US" smtClean="0"/>
-              <a:t>9/2/2020</a:t>
+              <a:t>9/8/2020</a:t>
             </a:fld>
             <a:endParaRPr lang="en-US" dirty="0"/>
           </a:p>
@@ -6716,9 +6716,10 @@
           <a:lstStyle/>
           <a:p>
             <a:r>
-              <a:rPr lang="en-US" sz="1800" dirty="0"/>
-              <a:t>Using express.js in a node.js application (Part I)</a:t>
-            </a:r>
+              <a:rPr lang="en-US" sz="1800"/>
+              <a:t>How to build web applications with express.js</a:t>
+            </a:r>
+            <a:endParaRPr lang="en-US" sz="1800" dirty="0"/>
           </a:p>
         </p:txBody>
       </p:sp>
@@ -9865,9 +9866,10 @@
           <a:lstStyle/>
           <a:p>
             <a:r>
-              <a:rPr lang="en-US" sz="1800" dirty="0"/>
-              <a:t>How to use express.js in a node.js application</a:t>
-            </a:r>
+              <a:rPr lang="en-US" sz="1800"/>
+              <a:t>How to build web applications with express.js</a:t>
+            </a:r>
+            <a:endParaRPr lang="en-US" sz="1800" dirty="0"/>
           </a:p>
           <a:p>
             <a:endParaRPr lang="en-US" sz="1800" dirty="0"/>
@@ -11462,6 +11464,15 @@
 </file>
 
 <file path=customXml/item2.xml><?xml version="1.0" encoding="utf-8"?>
+<p:properties xmlns:p="http://schemas.microsoft.com/office/2006/metadata/properties" xmlns:xsi="http://www.w3.org/2001/XMLSchema-instance" xmlns:pc="http://schemas.microsoft.com/office/infopath/2007/PartnerControls">
+  <documentManagement>
+    <Status xmlns="71af3243-3dd4-4a8d-8c0d-dd76da1f02a5">Not started</Status>
+    <MediaServiceKeyPoints xmlns="71af3243-3dd4-4a8d-8c0d-dd76da1f02a5" xsi:nil="true"/>
+  </documentManagement>
+</p:properties>
+</file>
+
+<file path=customXml/item3.xml><?xml version="1.0" encoding="utf-8"?>
 <ct:contentTypeSchema xmlns:ct="http://schemas.microsoft.com/office/2006/metadata/contentType" xmlns:ma="http://schemas.microsoft.com/office/2006/metadata/properties/metaAttributes" ct:_="" ma:_="" ma:contentTypeName="Document" ma:contentTypeID="0x01010079F111ED35F8CC479449609E8A0923A6" ma:contentTypeVersion="12" ma:contentTypeDescription="Create a new document." ma:contentTypeScope="" ma:versionID="a410dd7f93c95333ffa1b60ed6adedd1">
   <xsd:schema xmlns:xsd="http://www.w3.org/2001/XMLSchema" xmlns:xs="http://www.w3.org/2001/XMLSchema" xmlns:p="http://schemas.microsoft.com/office/2006/metadata/properties" xmlns:ns2="71af3243-3dd4-4a8d-8c0d-dd76da1f02a5" xmlns:ns3="16c05727-aa75-4e4a-9b5f-8a80a1165891" targetNamespace="http://schemas.microsoft.com/office/2006/metadata/properties" ma:root="true" ma:fieldsID="a936d9baba76aa3866493feff160faab" ns2:_="" ns3:_="">
     <xsd:import namespace="71af3243-3dd4-4a8d-8c0d-dd76da1f02a5"/>
@@ -11682,15 +11693,6 @@
 </ct:contentTypeSchema>
 </file>
 
-<file path=customXml/item3.xml><?xml version="1.0" encoding="utf-8"?>
-<p:properties xmlns:p="http://schemas.microsoft.com/office/2006/metadata/properties" xmlns:xsi="http://www.w3.org/2001/XMLSchema-instance" xmlns:pc="http://schemas.microsoft.com/office/infopath/2007/PartnerControls">
-  <documentManagement>
-    <Status xmlns="71af3243-3dd4-4a8d-8c0d-dd76da1f02a5">Not started</Status>
-    <MediaServiceKeyPoints xmlns="71af3243-3dd4-4a8d-8c0d-dd76da1f02a5" xsi:nil="true"/>
-  </documentManagement>
-</p:properties>
-</file>
-
 <file path=customXml/itemProps1.xml><?xml version="1.0" encoding="utf-8"?>
 <ds:datastoreItem xmlns:ds="http://schemas.openxmlformats.org/officeDocument/2006/customXml" ds:itemID="{CDB58277-F8DF-46FF-84EC-EF41B835E69F}">
   <ds:schemaRefs>
@@ -11700,6 +11702,23 @@
 </file>
 
 <file path=customXml/itemProps2.xml><?xml version="1.0" encoding="utf-8"?>
+<ds:datastoreItem xmlns:ds="http://schemas.openxmlformats.org/officeDocument/2006/customXml" ds:itemID="{137651BA-F45C-4845-9AB3-E0A65B39F5E1}">
+  <ds:schemaRefs>
+    <ds:schemaRef ds:uri="http://purl.org/dc/elements/1.1/"/>
+    <ds:schemaRef ds:uri="http://schemas.microsoft.com/office/2006/metadata/properties"/>
+    <ds:schemaRef ds:uri="http://purl.org/dc/terms/"/>
+    <ds:schemaRef ds:uri="http://schemas.openxmlformats.org/package/2006/metadata/core-properties"/>
+    <ds:schemaRef ds:uri="16c05727-aa75-4e4a-9b5f-8a80a1165891"/>
+    <ds:schemaRef ds:uri="http://schemas.microsoft.com/office/2006/documentManagement/types"/>
+    <ds:schemaRef ds:uri="http://schemas.microsoft.com/office/infopath/2007/PartnerControls"/>
+    <ds:schemaRef ds:uri="71af3243-3dd4-4a8d-8c0d-dd76da1f02a5"/>
+    <ds:schemaRef ds:uri="http://www.w3.org/XML/1998/namespace"/>
+    <ds:schemaRef ds:uri="http://purl.org/dc/dcmitype/"/>
+  </ds:schemaRefs>
+</ds:datastoreItem>
+</file>
+
+<file path=customXml/itemProps3.xml><?xml version="1.0" encoding="utf-8"?>
 <ds:datastoreItem xmlns:ds="http://schemas.openxmlformats.org/officeDocument/2006/customXml" ds:itemID="{2D276E62-80A3-44DD-9BCC-97ED2B99B57F}">
   <ds:schemaRefs>
     <ds:schemaRef ds:uri="http://schemas.microsoft.com/office/2006/metadata/contentType"/>
@@ -11716,21 +11735,4 @@
     <ds:schemaRef ds:uri="http://schemas.microsoft.com/internal/obd"/>
   </ds:schemaRefs>
 </ds:datastoreItem>
-</file>
-
-<file path=customXml/itemProps3.xml><?xml version="1.0" encoding="utf-8"?>
-<ds:datastoreItem xmlns:ds="http://schemas.openxmlformats.org/officeDocument/2006/customXml" ds:itemID="{137651BA-F45C-4845-9AB3-E0A65B39F5E1}">
-  <ds:schemaRefs>
-    <ds:schemaRef ds:uri="http://purl.org/dc/elements/1.1/"/>
-    <ds:schemaRef ds:uri="http://schemas.microsoft.com/office/2006/metadata/properties"/>
-    <ds:schemaRef ds:uri="http://purl.org/dc/terms/"/>
-    <ds:schemaRef ds:uri="http://schemas.openxmlformats.org/package/2006/metadata/core-properties"/>
-    <ds:schemaRef ds:uri="16c05727-aa75-4e4a-9b5f-8a80a1165891"/>
-    <ds:schemaRef ds:uri="http://schemas.microsoft.com/office/2006/documentManagement/types"/>
-    <ds:schemaRef ds:uri="http://schemas.microsoft.com/office/infopath/2007/PartnerControls"/>
-    <ds:schemaRef ds:uri="71af3243-3dd4-4a8d-8c0d-dd76da1f02a5"/>
-    <ds:schemaRef ds:uri="http://www.w3.org/XML/1998/namespace"/>
-    <ds:schemaRef ds:uri="http://purl.org/dc/dcmitype/"/>
-  </ds:schemaRefs>
-</ds:datastoreItem>
 </file>